--- a/images/ImageSource.pptx
+++ b/images/ImageSource.pptx
@@ -10,6 +10,12 @@
     <p:sldId id="258" r:id="rId4"/>
     <p:sldId id="259" r:id="rId5"/>
     <p:sldId id="260" r:id="rId6"/>
+    <p:sldId id="262" r:id="rId7"/>
+    <p:sldId id="261" r:id="rId8"/>
+    <p:sldId id="263" r:id="rId9"/>
+    <p:sldId id="264" r:id="rId10"/>
+    <p:sldId id="265" r:id="rId11"/>
+    <p:sldId id="266" r:id="rId12"/>
   </p:sldIdLst>
   <p:sldSz cx="12192000" cy="6858000"/>
   <p:notesSz cx="6858000" cy="9144000"/>
@@ -4781,6 +4787,538 @@
 </p:sld>
 </file>
 
+<file path=ppt/slides/slide10.xml><?xml version="1.0" encoding="utf-8"?>
+<p:sld xmlns:a="http://schemas.openxmlformats.org/drawingml/2006/main" xmlns:r="http://schemas.openxmlformats.org/officeDocument/2006/relationships" xmlns:p="http://schemas.openxmlformats.org/presentationml/2006/main">
+  <p:cSld>
+    <p:spTree>
+      <p:nvGrpSpPr>
+        <p:cNvPr id="1" name=""/>
+        <p:cNvGrpSpPr/>
+        <p:nvPr/>
+      </p:nvGrpSpPr>
+      <p:grpSpPr>
+        <a:xfrm>
+          <a:off x="0" y="0"/>
+          <a:ext cx="0" cy="0"/>
+          <a:chOff x="0" y="0"/>
+          <a:chExt cx="0" cy="0"/>
+        </a:xfrm>
+      </p:grpSpPr>
+      <p:pic>
+        <p:nvPicPr>
+          <p:cNvPr id="3" name="図 2">
+            <a:extLst>
+              <a:ext uri="{FF2B5EF4-FFF2-40B4-BE49-F238E27FC236}">
+                <a16:creationId xmlns:a16="http://schemas.microsoft.com/office/drawing/2014/main" id="{D6B14C8E-BD75-FEE6-A2C9-37430F28FD3C}"/>
+              </a:ext>
+            </a:extLst>
+          </p:cNvPr>
+          <p:cNvPicPr>
+            <a:picLocks noChangeAspect="1"/>
+          </p:cNvPicPr>
+          <p:nvPr/>
+        </p:nvPicPr>
+        <p:blipFill>
+          <a:blip r:embed="rId2"/>
+          <a:stretch>
+            <a:fillRect/>
+          </a:stretch>
+        </p:blipFill>
+        <p:spPr>
+          <a:xfrm>
+            <a:off x="2686460" y="0"/>
+            <a:ext cx="6819079" cy="6858000"/>
+          </a:xfrm>
+          <a:prstGeom prst="rect">
+            <a:avLst/>
+          </a:prstGeom>
+        </p:spPr>
+      </p:pic>
+      <p:sp>
+        <p:nvSpPr>
+          <p:cNvPr id="4" name="正方形/長方形 3">
+            <a:extLst>
+              <a:ext uri="{FF2B5EF4-FFF2-40B4-BE49-F238E27FC236}">
+                <a16:creationId xmlns:a16="http://schemas.microsoft.com/office/drawing/2014/main" id="{B160B581-0145-33E8-86A2-18EFC5C74FD9}"/>
+              </a:ext>
+            </a:extLst>
+          </p:cNvPr>
+          <p:cNvSpPr/>
+          <p:nvPr/>
+        </p:nvSpPr>
+        <p:spPr>
+          <a:xfrm>
+            <a:off x="2686460" y="202151"/>
+            <a:ext cx="1077276" cy="290902"/>
+          </a:xfrm>
+          <a:prstGeom prst="rect">
+            <a:avLst/>
+          </a:prstGeom>
+          <a:noFill/>
+          <a:ln w="38100" cap="flat" cmpd="sng" algn="ctr">
+            <a:solidFill>
+              <a:srgbClr val="FF0000"/>
+            </a:solidFill>
+            <a:prstDash val="solid"/>
+            <a:round/>
+            <a:headEnd type="none" w="med" len="med"/>
+            <a:tailEnd type="none" w="med" len="med"/>
+          </a:ln>
+        </p:spPr>
+        <p:style>
+          <a:lnRef idx="0">
+            <a:scrgbClr r="0" g="0" b="0"/>
+          </a:lnRef>
+          <a:fillRef idx="0">
+            <a:scrgbClr r="0" g="0" b="0"/>
+          </a:fillRef>
+          <a:effectRef idx="0">
+            <a:scrgbClr r="0" g="0" b="0"/>
+          </a:effectRef>
+          <a:fontRef idx="minor">
+            <a:schemeClr val="dk1"/>
+          </a:fontRef>
+        </p:style>
+        <p:txBody>
+          <a:bodyPr rtlCol="0" anchor="ctr"/>
+          <a:lstStyle/>
+          <a:p>
+            <a:pPr algn="ctr"/>
+            <a:endParaRPr kumimoji="1" lang="ja-JP" altLang="en-US"/>
+          </a:p>
+        </p:txBody>
+      </p:sp>
+      <p:sp>
+        <p:nvSpPr>
+          <p:cNvPr id="5" name="正方形/長方形 4">
+            <a:extLst>
+              <a:ext uri="{FF2B5EF4-FFF2-40B4-BE49-F238E27FC236}">
+                <a16:creationId xmlns:a16="http://schemas.microsoft.com/office/drawing/2014/main" id="{C4AD80CC-9BD4-EFE8-EF8D-20138360E8A4}"/>
+              </a:ext>
+            </a:extLst>
+          </p:cNvPr>
+          <p:cNvSpPr/>
+          <p:nvPr/>
+        </p:nvSpPr>
+        <p:spPr>
+          <a:xfrm>
+            <a:off x="3034803" y="1420347"/>
+            <a:ext cx="5978568" cy="792173"/>
+          </a:xfrm>
+          <a:prstGeom prst="rect">
+            <a:avLst/>
+          </a:prstGeom>
+          <a:noFill/>
+          <a:ln w="38100" cap="flat" cmpd="sng" algn="ctr">
+            <a:solidFill>
+              <a:srgbClr val="FF0000"/>
+            </a:solidFill>
+            <a:prstDash val="solid"/>
+            <a:round/>
+            <a:headEnd type="none" w="med" len="med"/>
+            <a:tailEnd type="none" w="med" len="med"/>
+          </a:ln>
+        </p:spPr>
+        <p:style>
+          <a:lnRef idx="0">
+            <a:scrgbClr r="0" g="0" b="0"/>
+          </a:lnRef>
+          <a:fillRef idx="0">
+            <a:scrgbClr r="0" g="0" b="0"/>
+          </a:fillRef>
+          <a:effectRef idx="0">
+            <a:scrgbClr r="0" g="0" b="0"/>
+          </a:effectRef>
+          <a:fontRef idx="minor">
+            <a:schemeClr val="dk1"/>
+          </a:fontRef>
+        </p:style>
+        <p:txBody>
+          <a:bodyPr rtlCol="0" anchor="ctr"/>
+          <a:lstStyle/>
+          <a:p>
+            <a:pPr algn="ctr"/>
+            <a:endParaRPr kumimoji="1" lang="ja-JP" altLang="en-US"/>
+          </a:p>
+        </p:txBody>
+      </p:sp>
+      <p:sp>
+        <p:nvSpPr>
+          <p:cNvPr id="6" name="正方形/長方形 5">
+            <a:extLst>
+              <a:ext uri="{FF2B5EF4-FFF2-40B4-BE49-F238E27FC236}">
+                <a16:creationId xmlns:a16="http://schemas.microsoft.com/office/drawing/2014/main" id="{7A50E80D-73AA-1C56-C1B4-334D3701F992}"/>
+              </a:ext>
+            </a:extLst>
+          </p:cNvPr>
+          <p:cNvSpPr/>
+          <p:nvPr/>
+        </p:nvSpPr>
+        <p:spPr>
+          <a:xfrm>
+            <a:off x="3034803" y="5605904"/>
+            <a:ext cx="5978568" cy="792173"/>
+          </a:xfrm>
+          <a:prstGeom prst="rect">
+            <a:avLst/>
+          </a:prstGeom>
+          <a:noFill/>
+          <a:ln w="38100" cap="flat" cmpd="sng" algn="ctr">
+            <a:solidFill>
+              <a:srgbClr val="FF0000"/>
+            </a:solidFill>
+            <a:prstDash val="solid"/>
+            <a:round/>
+            <a:headEnd type="none" w="med" len="med"/>
+            <a:tailEnd type="none" w="med" len="med"/>
+          </a:ln>
+        </p:spPr>
+        <p:style>
+          <a:lnRef idx="0">
+            <a:scrgbClr r="0" g="0" b="0"/>
+          </a:lnRef>
+          <a:fillRef idx="0">
+            <a:scrgbClr r="0" g="0" b="0"/>
+          </a:fillRef>
+          <a:effectRef idx="0">
+            <a:scrgbClr r="0" g="0" b="0"/>
+          </a:effectRef>
+          <a:fontRef idx="minor">
+            <a:schemeClr val="dk1"/>
+          </a:fontRef>
+        </p:style>
+        <p:txBody>
+          <a:bodyPr rtlCol="0" anchor="ctr"/>
+          <a:lstStyle/>
+          <a:p>
+            <a:pPr algn="ctr"/>
+            <a:endParaRPr kumimoji="1" lang="ja-JP" altLang="en-US"/>
+          </a:p>
+        </p:txBody>
+      </p:sp>
+      <p:cxnSp>
+        <p:nvCxnSpPr>
+          <p:cNvPr id="8" name="コネクタ: カギ線 7">
+            <a:extLst>
+              <a:ext uri="{FF2B5EF4-FFF2-40B4-BE49-F238E27FC236}">
+                <a16:creationId xmlns:a16="http://schemas.microsoft.com/office/drawing/2014/main" id="{16E2CCE4-1118-DA9C-E17A-AD00F79A500F}"/>
+              </a:ext>
+            </a:extLst>
+          </p:cNvPr>
+          <p:cNvCxnSpPr>
+            <a:cxnSpLocks/>
+            <a:stCxn id="18" idx="1"/>
+            <a:endCxn id="5" idx="1"/>
+          </p:cNvCxnSpPr>
+          <p:nvPr/>
+        </p:nvCxnSpPr>
+        <p:spPr>
+          <a:xfrm rot="10800000" flipH="1" flipV="1">
+            <a:off x="2984633" y="843226"/>
+            <a:ext cx="50169" cy="973208"/>
+          </a:xfrm>
+          <a:prstGeom prst="bentConnector3">
+            <a:avLst>
+              <a:gd name="adj1" fmla="val -455660"/>
+            </a:avLst>
+          </a:prstGeom>
+          <a:ln w="38100">
+            <a:solidFill>
+              <a:srgbClr val="FF0000"/>
+            </a:solidFill>
+            <a:tailEnd type="triangle"/>
+          </a:ln>
+        </p:spPr>
+        <p:style>
+          <a:lnRef idx="2">
+            <a:schemeClr val="accent1"/>
+          </a:lnRef>
+          <a:fillRef idx="0">
+            <a:schemeClr val="accent1"/>
+          </a:fillRef>
+          <a:effectRef idx="1">
+            <a:schemeClr val="accent1"/>
+          </a:effectRef>
+          <a:fontRef idx="minor">
+            <a:schemeClr val="tx1"/>
+          </a:fontRef>
+        </p:style>
+      </p:cxnSp>
+      <p:cxnSp>
+        <p:nvCxnSpPr>
+          <p:cNvPr id="9" name="コネクタ: カギ線 8">
+            <a:extLst>
+              <a:ext uri="{FF2B5EF4-FFF2-40B4-BE49-F238E27FC236}">
+                <a16:creationId xmlns:a16="http://schemas.microsoft.com/office/drawing/2014/main" id="{986EF303-A887-AC22-78E7-9C3575909887}"/>
+              </a:ext>
+            </a:extLst>
+          </p:cNvPr>
+          <p:cNvCxnSpPr>
+            <a:cxnSpLocks/>
+            <a:stCxn id="18" idx="1"/>
+            <a:endCxn id="6" idx="1"/>
+          </p:cNvCxnSpPr>
+          <p:nvPr/>
+        </p:nvCxnSpPr>
+        <p:spPr>
+          <a:xfrm rot="10800000" flipH="1" flipV="1">
+            <a:off x="2984633" y="843225"/>
+            <a:ext cx="50169" cy="5158765"/>
+          </a:xfrm>
+          <a:prstGeom prst="bentConnector3">
+            <a:avLst>
+              <a:gd name="adj1" fmla="val -455660"/>
+            </a:avLst>
+          </a:prstGeom>
+          <a:ln w="38100">
+            <a:solidFill>
+              <a:srgbClr val="FF0000"/>
+            </a:solidFill>
+            <a:tailEnd type="triangle"/>
+          </a:ln>
+        </p:spPr>
+        <p:style>
+          <a:lnRef idx="2">
+            <a:schemeClr val="accent1"/>
+          </a:lnRef>
+          <a:fillRef idx="0">
+            <a:schemeClr val="accent1"/>
+          </a:fillRef>
+          <a:effectRef idx="1">
+            <a:schemeClr val="accent1"/>
+          </a:effectRef>
+          <a:fontRef idx="minor">
+            <a:schemeClr val="tx1"/>
+          </a:fontRef>
+        </p:style>
+      </p:cxnSp>
+      <p:sp>
+        <p:nvSpPr>
+          <p:cNvPr id="18" name="正方形/長方形 17">
+            <a:extLst>
+              <a:ext uri="{FF2B5EF4-FFF2-40B4-BE49-F238E27FC236}">
+                <a16:creationId xmlns:a16="http://schemas.microsoft.com/office/drawing/2014/main" id="{5B7FF0DD-A69A-9D4E-1698-788DA8650C6D}"/>
+              </a:ext>
+            </a:extLst>
+          </p:cNvPr>
+          <p:cNvSpPr/>
+          <p:nvPr/>
+        </p:nvSpPr>
+        <p:spPr>
+          <a:xfrm>
+            <a:off x="2984634" y="697775"/>
+            <a:ext cx="1753018" cy="290902"/>
+          </a:xfrm>
+          <a:prstGeom prst="rect">
+            <a:avLst/>
+          </a:prstGeom>
+          <a:noFill/>
+          <a:ln w="38100" cap="flat" cmpd="sng" algn="ctr">
+            <a:solidFill>
+              <a:srgbClr val="FF0000"/>
+            </a:solidFill>
+            <a:prstDash val="solid"/>
+            <a:round/>
+            <a:headEnd type="none" w="med" len="med"/>
+            <a:tailEnd type="none" w="med" len="med"/>
+          </a:ln>
+        </p:spPr>
+        <p:style>
+          <a:lnRef idx="0">
+            <a:scrgbClr r="0" g="0" b="0"/>
+          </a:lnRef>
+          <a:fillRef idx="0">
+            <a:scrgbClr r="0" g="0" b="0"/>
+          </a:fillRef>
+          <a:effectRef idx="0">
+            <a:scrgbClr r="0" g="0" b="0"/>
+          </a:effectRef>
+          <a:fontRef idx="minor">
+            <a:schemeClr val="dk1"/>
+          </a:fontRef>
+        </p:style>
+        <p:txBody>
+          <a:bodyPr rtlCol="0" anchor="ctr"/>
+          <a:lstStyle/>
+          <a:p>
+            <a:pPr algn="ctr"/>
+            <a:endParaRPr kumimoji="1" lang="ja-JP" altLang="en-US"/>
+          </a:p>
+        </p:txBody>
+      </p:sp>
+      <p:cxnSp>
+        <p:nvCxnSpPr>
+          <p:cNvPr id="19" name="直線矢印コネクタ 18">
+            <a:extLst>
+              <a:ext uri="{FF2B5EF4-FFF2-40B4-BE49-F238E27FC236}">
+                <a16:creationId xmlns:a16="http://schemas.microsoft.com/office/drawing/2014/main" id="{51724BA1-4EB1-2103-B3C6-F3FA7B35BC2B}"/>
+              </a:ext>
+            </a:extLst>
+          </p:cNvPr>
+          <p:cNvCxnSpPr>
+            <a:cxnSpLocks/>
+            <a:stCxn id="4" idx="2"/>
+            <a:endCxn id="18" idx="0"/>
+          </p:cNvCxnSpPr>
+          <p:nvPr/>
+        </p:nvCxnSpPr>
+        <p:spPr>
+          <a:xfrm>
+            <a:off x="3225098" y="493053"/>
+            <a:ext cx="636045" cy="204722"/>
+          </a:xfrm>
+          <a:prstGeom prst="straightConnector1">
+            <a:avLst/>
+          </a:prstGeom>
+          <a:ln w="38100">
+            <a:solidFill>
+              <a:srgbClr val="FF0000"/>
+            </a:solidFill>
+            <a:tailEnd type="triangle"/>
+          </a:ln>
+        </p:spPr>
+        <p:style>
+          <a:lnRef idx="2">
+            <a:schemeClr val="accent1"/>
+          </a:lnRef>
+          <a:fillRef idx="0">
+            <a:schemeClr val="accent1"/>
+          </a:fillRef>
+          <a:effectRef idx="1">
+            <a:schemeClr val="accent1"/>
+          </a:effectRef>
+          <a:fontRef idx="minor">
+            <a:schemeClr val="tx1"/>
+          </a:fontRef>
+        </p:style>
+      </p:cxnSp>
+    </p:spTree>
+    <p:extLst>
+      <p:ext uri="{BB962C8B-B14F-4D97-AF65-F5344CB8AC3E}">
+        <p14:creationId xmlns:p14="http://schemas.microsoft.com/office/powerpoint/2010/main" val="870138051"/>
+      </p:ext>
+    </p:extLst>
+  </p:cSld>
+  <p:clrMapOvr>
+    <a:masterClrMapping/>
+  </p:clrMapOvr>
+</p:sld>
+</file>
+
+<file path=ppt/slides/slide11.xml><?xml version="1.0" encoding="utf-8"?>
+<p:sld xmlns:a="http://schemas.openxmlformats.org/drawingml/2006/main" xmlns:r="http://schemas.openxmlformats.org/officeDocument/2006/relationships" xmlns:p="http://schemas.openxmlformats.org/presentationml/2006/main">
+  <p:cSld>
+    <p:spTree>
+      <p:nvGrpSpPr>
+        <p:cNvPr id="1" name=""/>
+        <p:cNvGrpSpPr/>
+        <p:nvPr/>
+      </p:nvGrpSpPr>
+      <p:grpSpPr>
+        <a:xfrm>
+          <a:off x="0" y="0"/>
+          <a:ext cx="0" cy="0"/>
+          <a:chOff x="0" y="0"/>
+          <a:chExt cx="0" cy="0"/>
+        </a:xfrm>
+      </p:grpSpPr>
+      <p:pic>
+        <p:nvPicPr>
+          <p:cNvPr id="3" name="図 2">
+            <a:extLst>
+              <a:ext uri="{FF2B5EF4-FFF2-40B4-BE49-F238E27FC236}">
+                <a16:creationId xmlns:a16="http://schemas.microsoft.com/office/drawing/2014/main" id="{FC3407C2-1292-75D5-13B8-0B39040D5C0A}"/>
+              </a:ext>
+            </a:extLst>
+          </p:cNvPr>
+          <p:cNvPicPr>
+            <a:picLocks noChangeAspect="1"/>
+          </p:cNvPicPr>
+          <p:nvPr/>
+        </p:nvPicPr>
+        <p:blipFill>
+          <a:blip r:embed="rId2"/>
+          <a:stretch>
+            <a:fillRect/>
+          </a:stretch>
+        </p:blipFill>
+        <p:spPr>
+          <a:xfrm>
+            <a:off x="1442388" y="2271551"/>
+            <a:ext cx="9307224" cy="2314898"/>
+          </a:xfrm>
+          <a:prstGeom prst="rect">
+            <a:avLst/>
+          </a:prstGeom>
+        </p:spPr>
+      </p:pic>
+      <p:sp>
+        <p:nvSpPr>
+          <p:cNvPr id="2" name="正方形/長方形 1">
+            <a:extLst>
+              <a:ext uri="{FF2B5EF4-FFF2-40B4-BE49-F238E27FC236}">
+                <a16:creationId xmlns:a16="http://schemas.microsoft.com/office/drawing/2014/main" id="{AB0A6E23-905E-2EBE-A7A3-A17D0E3426A3}"/>
+              </a:ext>
+            </a:extLst>
+          </p:cNvPr>
+          <p:cNvSpPr/>
+          <p:nvPr/>
+        </p:nvSpPr>
+        <p:spPr>
+          <a:xfrm>
+            <a:off x="1841333" y="3428999"/>
+            <a:ext cx="541649" cy="367145"/>
+          </a:xfrm>
+          <a:prstGeom prst="rect">
+            <a:avLst/>
+          </a:prstGeom>
+          <a:noFill/>
+          <a:ln w="38100" cap="flat" cmpd="sng" algn="ctr">
+            <a:solidFill>
+              <a:srgbClr val="FF0000"/>
+            </a:solidFill>
+            <a:prstDash val="solid"/>
+            <a:round/>
+            <a:headEnd type="none" w="med" len="med"/>
+            <a:tailEnd type="none" w="med" len="med"/>
+          </a:ln>
+        </p:spPr>
+        <p:style>
+          <a:lnRef idx="0">
+            <a:scrgbClr r="0" g="0" b="0"/>
+          </a:lnRef>
+          <a:fillRef idx="0">
+            <a:scrgbClr r="0" g="0" b="0"/>
+          </a:fillRef>
+          <a:effectRef idx="0">
+            <a:scrgbClr r="0" g="0" b="0"/>
+          </a:effectRef>
+          <a:fontRef idx="minor">
+            <a:schemeClr val="dk1"/>
+          </a:fontRef>
+        </p:style>
+        <p:txBody>
+          <a:bodyPr rtlCol="0" anchor="ctr"/>
+          <a:lstStyle/>
+          <a:p>
+            <a:pPr algn="ctr"/>
+            <a:endParaRPr kumimoji="1" lang="ja-JP" altLang="en-US"/>
+          </a:p>
+        </p:txBody>
+      </p:sp>
+    </p:spTree>
+    <p:extLst>
+      <p:ext uri="{BB962C8B-B14F-4D97-AF65-F5344CB8AC3E}">
+        <p14:creationId xmlns:p14="http://schemas.microsoft.com/office/powerpoint/2010/main" val="2018181780"/>
+      </p:ext>
+    </p:extLst>
+  </p:cSld>
+  <p:clrMapOvr>
+    <a:masterClrMapping/>
+  </p:clrMapOvr>
+</p:sld>
+</file>
+
 <file path=ppt/slides/slide2.xml><?xml version="1.0" encoding="utf-8"?>
 <p:sld xmlns:a="http://schemas.openxmlformats.org/drawingml/2006/main" xmlns:r="http://schemas.openxmlformats.org/officeDocument/2006/relationships" xmlns:p="http://schemas.openxmlformats.org/presentationml/2006/main">
   <p:cSld>
@@ -5520,6 +6058,756 @@
     <p:extLst>
       <p:ext uri="{BB962C8B-B14F-4D97-AF65-F5344CB8AC3E}">
         <p14:creationId xmlns:p14="http://schemas.microsoft.com/office/powerpoint/2010/main" val="3986994808"/>
+      </p:ext>
+    </p:extLst>
+  </p:cSld>
+  <p:clrMapOvr>
+    <a:masterClrMapping/>
+  </p:clrMapOvr>
+</p:sld>
+</file>
+
+<file path=ppt/slides/slide6.xml><?xml version="1.0" encoding="utf-8"?>
+<p:sld xmlns:a="http://schemas.openxmlformats.org/drawingml/2006/main" xmlns:r="http://schemas.openxmlformats.org/officeDocument/2006/relationships" xmlns:p="http://schemas.openxmlformats.org/presentationml/2006/main">
+  <p:cSld>
+    <p:spTree>
+      <p:nvGrpSpPr>
+        <p:cNvPr id="1" name=""/>
+        <p:cNvGrpSpPr/>
+        <p:nvPr/>
+      </p:nvGrpSpPr>
+      <p:grpSpPr>
+        <a:xfrm>
+          <a:off x="0" y="0"/>
+          <a:ext cx="0" cy="0"/>
+          <a:chOff x="0" y="0"/>
+          <a:chExt cx="0" cy="0"/>
+        </a:xfrm>
+      </p:grpSpPr>
+      <p:pic>
+        <p:nvPicPr>
+          <p:cNvPr id="3" name="図 2">
+            <a:extLst>
+              <a:ext uri="{FF2B5EF4-FFF2-40B4-BE49-F238E27FC236}">
+                <a16:creationId xmlns:a16="http://schemas.microsoft.com/office/drawing/2014/main" id="{A8715F42-BB9C-BE9E-2253-8C8EB7D3A47B}"/>
+              </a:ext>
+            </a:extLst>
+          </p:cNvPr>
+          <p:cNvPicPr>
+            <a:picLocks noChangeAspect="1"/>
+          </p:cNvPicPr>
+          <p:nvPr/>
+        </p:nvPicPr>
+        <p:blipFill>
+          <a:blip r:embed="rId2"/>
+          <a:stretch>
+            <a:fillRect/>
+          </a:stretch>
+        </p:blipFill>
+        <p:spPr>
+          <a:xfrm>
+            <a:off x="1245746" y="0"/>
+            <a:ext cx="9700508" cy="6858000"/>
+          </a:xfrm>
+          <a:prstGeom prst="rect">
+            <a:avLst/>
+          </a:prstGeom>
+        </p:spPr>
+      </p:pic>
+      <p:sp>
+        <p:nvSpPr>
+          <p:cNvPr id="4" name="正方形/長方形 3">
+            <a:extLst>
+              <a:ext uri="{FF2B5EF4-FFF2-40B4-BE49-F238E27FC236}">
+                <a16:creationId xmlns:a16="http://schemas.microsoft.com/office/drawing/2014/main" id="{028D2CA9-DA93-3338-8CF6-9AE16F639A79}"/>
+              </a:ext>
+            </a:extLst>
+          </p:cNvPr>
+          <p:cNvSpPr/>
+          <p:nvPr/>
+        </p:nvSpPr>
+        <p:spPr>
+          <a:xfrm>
+            <a:off x="1464366" y="1384852"/>
+            <a:ext cx="6195392" cy="3949148"/>
+          </a:xfrm>
+          <a:prstGeom prst="rect">
+            <a:avLst/>
+          </a:prstGeom>
+          <a:noFill/>
+          <a:ln w="38100" cap="flat" cmpd="sng" algn="ctr">
+            <a:solidFill>
+              <a:srgbClr val="FF0000"/>
+            </a:solidFill>
+            <a:prstDash val="solid"/>
+            <a:round/>
+            <a:headEnd type="none" w="med" len="med"/>
+            <a:tailEnd type="none" w="med" len="med"/>
+          </a:ln>
+        </p:spPr>
+        <p:style>
+          <a:lnRef idx="0">
+            <a:scrgbClr r="0" g="0" b="0"/>
+          </a:lnRef>
+          <a:fillRef idx="0">
+            <a:scrgbClr r="0" g="0" b="0"/>
+          </a:fillRef>
+          <a:effectRef idx="0">
+            <a:scrgbClr r="0" g="0" b="0"/>
+          </a:effectRef>
+          <a:fontRef idx="minor">
+            <a:schemeClr val="dk1"/>
+          </a:fontRef>
+        </p:style>
+        <p:txBody>
+          <a:bodyPr rtlCol="0" anchor="ctr"/>
+          <a:lstStyle/>
+          <a:p>
+            <a:pPr algn="ctr"/>
+            <a:endParaRPr kumimoji="1" lang="ja-JP" altLang="en-US"/>
+          </a:p>
+        </p:txBody>
+      </p:sp>
+      <p:sp>
+        <p:nvSpPr>
+          <p:cNvPr id="5" name="正方形/長方形 4">
+            <a:extLst>
+              <a:ext uri="{FF2B5EF4-FFF2-40B4-BE49-F238E27FC236}">
+                <a16:creationId xmlns:a16="http://schemas.microsoft.com/office/drawing/2014/main" id="{D17A4CF2-8DDA-24D0-B861-50BCDC60E29F}"/>
+              </a:ext>
+            </a:extLst>
+          </p:cNvPr>
+          <p:cNvSpPr/>
+          <p:nvPr/>
+        </p:nvSpPr>
+        <p:spPr>
+          <a:xfrm>
+            <a:off x="9626600" y="6189001"/>
+            <a:ext cx="1003300" cy="411843"/>
+          </a:xfrm>
+          <a:prstGeom prst="rect">
+            <a:avLst/>
+          </a:prstGeom>
+          <a:noFill/>
+          <a:ln w="38100" cap="flat" cmpd="sng" algn="ctr">
+            <a:solidFill>
+              <a:srgbClr val="FF0000"/>
+            </a:solidFill>
+            <a:prstDash val="solid"/>
+            <a:round/>
+            <a:headEnd type="none" w="med" len="med"/>
+            <a:tailEnd type="none" w="med" len="med"/>
+          </a:ln>
+        </p:spPr>
+        <p:style>
+          <a:lnRef idx="0">
+            <a:scrgbClr r="0" g="0" b="0"/>
+          </a:lnRef>
+          <a:fillRef idx="0">
+            <a:scrgbClr r="0" g="0" b="0"/>
+          </a:fillRef>
+          <a:effectRef idx="0">
+            <a:scrgbClr r="0" g="0" b="0"/>
+          </a:effectRef>
+          <a:fontRef idx="minor">
+            <a:schemeClr val="dk1"/>
+          </a:fontRef>
+        </p:style>
+        <p:txBody>
+          <a:bodyPr rtlCol="0" anchor="ctr"/>
+          <a:lstStyle/>
+          <a:p>
+            <a:pPr algn="ctr"/>
+            <a:endParaRPr kumimoji="1" lang="ja-JP" altLang="en-US"/>
+          </a:p>
+        </p:txBody>
+      </p:sp>
+      <p:cxnSp>
+        <p:nvCxnSpPr>
+          <p:cNvPr id="6" name="直線矢印コネクタ 5">
+            <a:extLst>
+              <a:ext uri="{FF2B5EF4-FFF2-40B4-BE49-F238E27FC236}">
+                <a16:creationId xmlns:a16="http://schemas.microsoft.com/office/drawing/2014/main" id="{1E1CC758-D6D3-CDDB-FB4D-5875609D8B3F}"/>
+              </a:ext>
+            </a:extLst>
+          </p:cNvPr>
+          <p:cNvCxnSpPr>
+            <a:cxnSpLocks/>
+          </p:cNvCxnSpPr>
+          <p:nvPr/>
+        </p:nvCxnSpPr>
+        <p:spPr>
+          <a:xfrm>
+            <a:off x="7752522" y="4512365"/>
+            <a:ext cx="2113721" cy="1557131"/>
+          </a:xfrm>
+          <a:prstGeom prst="straightConnector1">
+            <a:avLst/>
+          </a:prstGeom>
+          <a:ln w="38100">
+            <a:solidFill>
+              <a:srgbClr val="FF0000"/>
+            </a:solidFill>
+            <a:tailEnd type="triangle"/>
+          </a:ln>
+        </p:spPr>
+        <p:style>
+          <a:lnRef idx="2">
+            <a:schemeClr val="accent1"/>
+          </a:lnRef>
+          <a:fillRef idx="0">
+            <a:schemeClr val="accent1"/>
+          </a:fillRef>
+          <a:effectRef idx="1">
+            <a:schemeClr val="accent1"/>
+          </a:effectRef>
+          <a:fontRef idx="minor">
+            <a:schemeClr val="tx1"/>
+          </a:fontRef>
+        </p:style>
+      </p:cxnSp>
+    </p:spTree>
+    <p:extLst>
+      <p:ext uri="{BB962C8B-B14F-4D97-AF65-F5344CB8AC3E}">
+        <p14:creationId xmlns:p14="http://schemas.microsoft.com/office/powerpoint/2010/main" val="3242123231"/>
+      </p:ext>
+    </p:extLst>
+  </p:cSld>
+  <p:clrMapOvr>
+    <a:masterClrMapping/>
+  </p:clrMapOvr>
+</p:sld>
+</file>
+
+<file path=ppt/slides/slide7.xml><?xml version="1.0" encoding="utf-8"?>
+<p:sld xmlns:a="http://schemas.openxmlformats.org/drawingml/2006/main" xmlns:r="http://schemas.openxmlformats.org/officeDocument/2006/relationships" xmlns:p="http://schemas.openxmlformats.org/presentationml/2006/main">
+  <p:cSld>
+    <p:spTree>
+      <p:nvGrpSpPr>
+        <p:cNvPr id="1" name=""/>
+        <p:cNvGrpSpPr/>
+        <p:nvPr/>
+      </p:nvGrpSpPr>
+      <p:grpSpPr>
+        <a:xfrm>
+          <a:off x="0" y="0"/>
+          <a:ext cx="0" cy="0"/>
+          <a:chOff x="0" y="0"/>
+          <a:chExt cx="0" cy="0"/>
+        </a:xfrm>
+      </p:grpSpPr>
+      <p:pic>
+        <p:nvPicPr>
+          <p:cNvPr id="3" name="図 2">
+            <a:extLst>
+              <a:ext uri="{FF2B5EF4-FFF2-40B4-BE49-F238E27FC236}">
+                <a16:creationId xmlns:a16="http://schemas.microsoft.com/office/drawing/2014/main" id="{C82B0ADA-6803-5D66-C674-2E8E7C9C25F3}"/>
+              </a:ext>
+            </a:extLst>
+          </p:cNvPr>
+          <p:cNvPicPr>
+            <a:picLocks noChangeAspect="1"/>
+          </p:cNvPicPr>
+          <p:nvPr/>
+        </p:nvPicPr>
+        <p:blipFill>
+          <a:blip r:embed="rId2"/>
+          <a:stretch>
+            <a:fillRect/>
+          </a:stretch>
+        </p:blipFill>
+        <p:spPr>
+          <a:xfrm>
+            <a:off x="1206053" y="0"/>
+            <a:ext cx="9779894" cy="6858000"/>
+          </a:xfrm>
+          <a:prstGeom prst="rect">
+            <a:avLst/>
+          </a:prstGeom>
+        </p:spPr>
+      </p:pic>
+      <p:sp>
+        <p:nvSpPr>
+          <p:cNvPr id="5" name="正方形/長方形 4">
+            <a:extLst>
+              <a:ext uri="{FF2B5EF4-FFF2-40B4-BE49-F238E27FC236}">
+                <a16:creationId xmlns:a16="http://schemas.microsoft.com/office/drawing/2014/main" id="{04260BDC-5924-6B58-ABBC-8FDB85595623}"/>
+              </a:ext>
+            </a:extLst>
+          </p:cNvPr>
+          <p:cNvSpPr/>
+          <p:nvPr/>
+        </p:nvSpPr>
+        <p:spPr>
+          <a:xfrm>
+            <a:off x="1489133" y="2525249"/>
+            <a:ext cx="9245128" cy="774542"/>
+          </a:xfrm>
+          <a:prstGeom prst="rect">
+            <a:avLst/>
+          </a:prstGeom>
+          <a:noFill/>
+          <a:ln w="38100" cap="flat" cmpd="sng" algn="ctr">
+            <a:solidFill>
+              <a:srgbClr val="FF0000"/>
+            </a:solidFill>
+            <a:prstDash val="solid"/>
+            <a:round/>
+            <a:headEnd type="none" w="med" len="med"/>
+            <a:tailEnd type="none" w="med" len="med"/>
+          </a:ln>
+        </p:spPr>
+        <p:style>
+          <a:lnRef idx="0">
+            <a:scrgbClr r="0" g="0" b="0"/>
+          </a:lnRef>
+          <a:fillRef idx="0">
+            <a:scrgbClr r="0" g="0" b="0"/>
+          </a:fillRef>
+          <a:effectRef idx="0">
+            <a:scrgbClr r="0" g="0" b="0"/>
+          </a:effectRef>
+          <a:fontRef idx="minor">
+            <a:schemeClr val="dk1"/>
+          </a:fontRef>
+        </p:style>
+        <p:txBody>
+          <a:bodyPr rtlCol="0" anchor="ctr"/>
+          <a:lstStyle/>
+          <a:p>
+            <a:pPr algn="ctr"/>
+            <a:endParaRPr kumimoji="1" lang="ja-JP" altLang="en-US"/>
+          </a:p>
+        </p:txBody>
+      </p:sp>
+      <p:sp>
+        <p:nvSpPr>
+          <p:cNvPr id="6" name="正方形/長方形 5">
+            <a:extLst>
+              <a:ext uri="{FF2B5EF4-FFF2-40B4-BE49-F238E27FC236}">
+                <a16:creationId xmlns:a16="http://schemas.microsoft.com/office/drawing/2014/main" id="{A361BFFD-C93D-A7A4-3C14-06E948FA7C75}"/>
+              </a:ext>
+            </a:extLst>
+          </p:cNvPr>
+          <p:cNvSpPr/>
+          <p:nvPr/>
+        </p:nvSpPr>
+        <p:spPr>
+          <a:xfrm>
+            <a:off x="7724913" y="6301645"/>
+            <a:ext cx="1003300" cy="411843"/>
+          </a:xfrm>
+          <a:prstGeom prst="rect">
+            <a:avLst/>
+          </a:prstGeom>
+          <a:noFill/>
+          <a:ln w="38100" cap="flat" cmpd="sng" algn="ctr">
+            <a:solidFill>
+              <a:srgbClr val="FF0000"/>
+            </a:solidFill>
+            <a:prstDash val="solid"/>
+            <a:round/>
+            <a:headEnd type="none" w="med" len="med"/>
+            <a:tailEnd type="none" w="med" len="med"/>
+          </a:ln>
+        </p:spPr>
+        <p:style>
+          <a:lnRef idx="0">
+            <a:scrgbClr r="0" g="0" b="0"/>
+          </a:lnRef>
+          <a:fillRef idx="0">
+            <a:scrgbClr r="0" g="0" b="0"/>
+          </a:fillRef>
+          <a:effectRef idx="0">
+            <a:scrgbClr r="0" g="0" b="0"/>
+          </a:effectRef>
+          <a:fontRef idx="minor">
+            <a:schemeClr val="dk1"/>
+          </a:fontRef>
+        </p:style>
+        <p:txBody>
+          <a:bodyPr rtlCol="0" anchor="ctr"/>
+          <a:lstStyle/>
+          <a:p>
+            <a:pPr algn="ctr"/>
+            <a:endParaRPr kumimoji="1" lang="ja-JP" altLang="en-US"/>
+          </a:p>
+        </p:txBody>
+      </p:sp>
+      <p:cxnSp>
+        <p:nvCxnSpPr>
+          <p:cNvPr id="7" name="直線矢印コネクタ 6">
+            <a:extLst>
+              <a:ext uri="{FF2B5EF4-FFF2-40B4-BE49-F238E27FC236}">
+                <a16:creationId xmlns:a16="http://schemas.microsoft.com/office/drawing/2014/main" id="{9FAE8C56-828B-D1FB-76E4-9EFBEE593082}"/>
+              </a:ext>
+            </a:extLst>
+          </p:cNvPr>
+          <p:cNvCxnSpPr>
+            <a:cxnSpLocks/>
+          </p:cNvCxnSpPr>
+          <p:nvPr/>
+        </p:nvCxnSpPr>
+        <p:spPr>
+          <a:xfrm>
+            <a:off x="6447183" y="3299791"/>
+            <a:ext cx="1702904" cy="3001854"/>
+          </a:xfrm>
+          <a:prstGeom prst="straightConnector1">
+            <a:avLst/>
+          </a:prstGeom>
+          <a:ln w="38100">
+            <a:solidFill>
+              <a:srgbClr val="FF0000"/>
+            </a:solidFill>
+            <a:tailEnd type="triangle"/>
+          </a:ln>
+        </p:spPr>
+        <p:style>
+          <a:lnRef idx="2">
+            <a:schemeClr val="accent1"/>
+          </a:lnRef>
+          <a:fillRef idx="0">
+            <a:schemeClr val="accent1"/>
+          </a:fillRef>
+          <a:effectRef idx="1">
+            <a:schemeClr val="accent1"/>
+          </a:effectRef>
+          <a:fontRef idx="minor">
+            <a:schemeClr val="tx1"/>
+          </a:fontRef>
+        </p:style>
+      </p:cxnSp>
+    </p:spTree>
+    <p:extLst>
+      <p:ext uri="{BB962C8B-B14F-4D97-AF65-F5344CB8AC3E}">
+        <p14:creationId xmlns:p14="http://schemas.microsoft.com/office/powerpoint/2010/main" val="2504488219"/>
+      </p:ext>
+    </p:extLst>
+  </p:cSld>
+  <p:clrMapOvr>
+    <a:masterClrMapping/>
+  </p:clrMapOvr>
+</p:sld>
+</file>
+
+<file path=ppt/slides/slide8.xml><?xml version="1.0" encoding="utf-8"?>
+<p:sld xmlns:a="http://schemas.openxmlformats.org/drawingml/2006/main" xmlns:r="http://schemas.openxmlformats.org/officeDocument/2006/relationships" xmlns:p="http://schemas.openxmlformats.org/presentationml/2006/main">
+  <p:cSld>
+    <p:spTree>
+      <p:nvGrpSpPr>
+        <p:cNvPr id="1" name=""/>
+        <p:cNvGrpSpPr/>
+        <p:nvPr/>
+      </p:nvGrpSpPr>
+      <p:grpSpPr>
+        <a:xfrm>
+          <a:off x="0" y="0"/>
+          <a:ext cx="0" cy="0"/>
+          <a:chOff x="0" y="0"/>
+          <a:chExt cx="0" cy="0"/>
+        </a:xfrm>
+      </p:grpSpPr>
+      <p:pic>
+        <p:nvPicPr>
+          <p:cNvPr id="3" name="図 2">
+            <a:extLst>
+              <a:ext uri="{FF2B5EF4-FFF2-40B4-BE49-F238E27FC236}">
+                <a16:creationId xmlns:a16="http://schemas.microsoft.com/office/drawing/2014/main" id="{769590DE-2811-0B8F-D4E2-3D98BD50E150}"/>
+              </a:ext>
+            </a:extLst>
+          </p:cNvPr>
+          <p:cNvPicPr>
+            <a:picLocks noChangeAspect="1"/>
+          </p:cNvPicPr>
+          <p:nvPr/>
+        </p:nvPicPr>
+        <p:blipFill>
+          <a:blip r:embed="rId2"/>
+          <a:stretch>
+            <a:fillRect/>
+          </a:stretch>
+        </p:blipFill>
+        <p:spPr>
+          <a:xfrm>
+            <a:off x="3666786" y="1137918"/>
+            <a:ext cx="4858428" cy="4582164"/>
+          </a:xfrm>
+          <a:prstGeom prst="rect">
+            <a:avLst/>
+          </a:prstGeom>
+        </p:spPr>
+      </p:pic>
+      <p:sp>
+        <p:nvSpPr>
+          <p:cNvPr id="4" name="正方形/長方形 3">
+            <a:extLst>
+              <a:ext uri="{FF2B5EF4-FFF2-40B4-BE49-F238E27FC236}">
+                <a16:creationId xmlns:a16="http://schemas.microsoft.com/office/drawing/2014/main" id="{C66C46B4-D524-EAE0-95A8-6DCF310EAE6D}"/>
+              </a:ext>
+            </a:extLst>
+          </p:cNvPr>
+          <p:cNvSpPr/>
+          <p:nvPr/>
+        </p:nvSpPr>
+        <p:spPr>
+          <a:xfrm>
+            <a:off x="3812720" y="4133613"/>
+            <a:ext cx="4712493" cy="348580"/>
+          </a:xfrm>
+          <a:prstGeom prst="rect">
+            <a:avLst/>
+          </a:prstGeom>
+          <a:noFill/>
+          <a:ln w="38100" cap="flat" cmpd="sng" algn="ctr">
+            <a:solidFill>
+              <a:srgbClr val="FF0000"/>
+            </a:solidFill>
+            <a:prstDash val="solid"/>
+            <a:round/>
+            <a:headEnd type="none" w="med" len="med"/>
+            <a:tailEnd type="none" w="med" len="med"/>
+          </a:ln>
+        </p:spPr>
+        <p:style>
+          <a:lnRef idx="0">
+            <a:scrgbClr r="0" g="0" b="0"/>
+          </a:lnRef>
+          <a:fillRef idx="0">
+            <a:scrgbClr r="0" g="0" b="0"/>
+          </a:fillRef>
+          <a:effectRef idx="0">
+            <a:scrgbClr r="0" g="0" b="0"/>
+          </a:effectRef>
+          <a:fontRef idx="minor">
+            <a:schemeClr val="dk1"/>
+          </a:fontRef>
+        </p:style>
+        <p:txBody>
+          <a:bodyPr rtlCol="0" anchor="ctr"/>
+          <a:lstStyle/>
+          <a:p>
+            <a:pPr algn="ctr"/>
+            <a:endParaRPr kumimoji="1" lang="ja-JP" altLang="en-US"/>
+          </a:p>
+        </p:txBody>
+      </p:sp>
+    </p:spTree>
+    <p:extLst>
+      <p:ext uri="{BB962C8B-B14F-4D97-AF65-F5344CB8AC3E}">
+        <p14:creationId xmlns:p14="http://schemas.microsoft.com/office/powerpoint/2010/main" val="3068699941"/>
+      </p:ext>
+    </p:extLst>
+  </p:cSld>
+  <p:clrMapOvr>
+    <a:masterClrMapping/>
+  </p:clrMapOvr>
+</p:sld>
+</file>
+
+<file path=ppt/slides/slide9.xml><?xml version="1.0" encoding="utf-8"?>
+<p:sld xmlns:a="http://schemas.openxmlformats.org/drawingml/2006/main" xmlns:r="http://schemas.openxmlformats.org/officeDocument/2006/relationships" xmlns:p="http://schemas.openxmlformats.org/presentationml/2006/main">
+  <p:cSld>
+    <p:spTree>
+      <p:nvGrpSpPr>
+        <p:cNvPr id="1" name=""/>
+        <p:cNvGrpSpPr/>
+        <p:nvPr/>
+      </p:nvGrpSpPr>
+      <p:grpSpPr>
+        <a:xfrm>
+          <a:off x="0" y="0"/>
+          <a:ext cx="0" cy="0"/>
+          <a:chOff x="0" y="0"/>
+          <a:chExt cx="0" cy="0"/>
+        </a:xfrm>
+      </p:grpSpPr>
+      <p:pic>
+        <p:nvPicPr>
+          <p:cNvPr id="3" name="図 2">
+            <a:extLst>
+              <a:ext uri="{FF2B5EF4-FFF2-40B4-BE49-F238E27FC236}">
+                <a16:creationId xmlns:a16="http://schemas.microsoft.com/office/drawing/2014/main" id="{5BFA504D-03EC-39B8-86FB-F5BD0A016B67}"/>
+              </a:ext>
+            </a:extLst>
+          </p:cNvPr>
+          <p:cNvPicPr>
+            <a:picLocks noChangeAspect="1"/>
+          </p:cNvPicPr>
+          <p:nvPr/>
+        </p:nvPicPr>
+        <p:blipFill>
+          <a:blip r:embed="rId2"/>
+          <a:stretch>
+            <a:fillRect/>
+          </a:stretch>
+        </p:blipFill>
+        <p:spPr>
+          <a:xfrm>
+            <a:off x="3328987" y="0"/>
+            <a:ext cx="5534025" cy="6858000"/>
+          </a:xfrm>
+          <a:prstGeom prst="rect">
+            <a:avLst/>
+          </a:prstGeom>
+        </p:spPr>
+      </p:pic>
+      <p:sp>
+        <p:nvSpPr>
+          <p:cNvPr id="4" name="正方形/長方形 3">
+            <a:extLst>
+              <a:ext uri="{FF2B5EF4-FFF2-40B4-BE49-F238E27FC236}">
+                <a16:creationId xmlns:a16="http://schemas.microsoft.com/office/drawing/2014/main" id="{24ACAC6F-E9FE-27E2-A95A-A4544589C1E5}"/>
+              </a:ext>
+            </a:extLst>
+          </p:cNvPr>
+          <p:cNvSpPr/>
+          <p:nvPr/>
+        </p:nvSpPr>
+        <p:spPr>
+          <a:xfrm>
+            <a:off x="3469821" y="1480219"/>
+            <a:ext cx="4955722" cy="324087"/>
+          </a:xfrm>
+          <a:prstGeom prst="rect">
+            <a:avLst/>
+          </a:prstGeom>
+          <a:noFill/>
+          <a:ln w="38100" cap="flat" cmpd="sng" algn="ctr">
+            <a:solidFill>
+              <a:srgbClr val="FF0000"/>
+            </a:solidFill>
+            <a:prstDash val="solid"/>
+            <a:round/>
+            <a:headEnd type="none" w="med" len="med"/>
+            <a:tailEnd type="none" w="med" len="med"/>
+          </a:ln>
+        </p:spPr>
+        <p:style>
+          <a:lnRef idx="0">
+            <a:scrgbClr r="0" g="0" b="0"/>
+          </a:lnRef>
+          <a:fillRef idx="0">
+            <a:scrgbClr r="0" g="0" b="0"/>
+          </a:fillRef>
+          <a:effectRef idx="0">
+            <a:scrgbClr r="0" g="0" b="0"/>
+          </a:effectRef>
+          <a:fontRef idx="minor">
+            <a:schemeClr val="dk1"/>
+          </a:fontRef>
+        </p:style>
+        <p:txBody>
+          <a:bodyPr rtlCol="0" anchor="ctr"/>
+          <a:lstStyle/>
+          <a:p>
+            <a:pPr algn="ctr"/>
+            <a:endParaRPr kumimoji="1" lang="ja-JP" altLang="en-US"/>
+          </a:p>
+        </p:txBody>
+      </p:sp>
+      <p:sp>
+        <p:nvSpPr>
+          <p:cNvPr id="5" name="正方形/長方形 4">
+            <a:extLst>
+              <a:ext uri="{FF2B5EF4-FFF2-40B4-BE49-F238E27FC236}">
+                <a16:creationId xmlns:a16="http://schemas.microsoft.com/office/drawing/2014/main" id="{F2CF1C8D-22FC-EE32-FA96-F2835F30F8BC}"/>
+              </a:ext>
+            </a:extLst>
+          </p:cNvPr>
+          <p:cNvSpPr/>
+          <p:nvPr/>
+        </p:nvSpPr>
+        <p:spPr>
+          <a:xfrm>
+            <a:off x="3569292" y="6032224"/>
+            <a:ext cx="5293720" cy="411843"/>
+          </a:xfrm>
+          <a:prstGeom prst="rect">
+            <a:avLst/>
+          </a:prstGeom>
+          <a:noFill/>
+          <a:ln w="38100" cap="flat" cmpd="sng" algn="ctr">
+            <a:solidFill>
+              <a:srgbClr val="FF0000"/>
+            </a:solidFill>
+            <a:prstDash val="solid"/>
+            <a:round/>
+            <a:headEnd type="none" w="med" len="med"/>
+            <a:tailEnd type="none" w="med" len="med"/>
+          </a:ln>
+        </p:spPr>
+        <p:style>
+          <a:lnRef idx="0">
+            <a:scrgbClr r="0" g="0" b="0"/>
+          </a:lnRef>
+          <a:fillRef idx="0">
+            <a:scrgbClr r="0" g="0" b="0"/>
+          </a:fillRef>
+          <a:effectRef idx="0">
+            <a:scrgbClr r="0" g="0" b="0"/>
+          </a:effectRef>
+          <a:fontRef idx="minor">
+            <a:schemeClr val="dk1"/>
+          </a:fontRef>
+        </p:style>
+        <p:txBody>
+          <a:bodyPr rtlCol="0" anchor="ctr"/>
+          <a:lstStyle/>
+          <a:p>
+            <a:pPr algn="ctr"/>
+            <a:endParaRPr kumimoji="1" lang="ja-JP" altLang="en-US"/>
+          </a:p>
+        </p:txBody>
+      </p:sp>
+      <p:cxnSp>
+        <p:nvCxnSpPr>
+          <p:cNvPr id="6" name="直線矢印コネクタ 5">
+            <a:extLst>
+              <a:ext uri="{FF2B5EF4-FFF2-40B4-BE49-F238E27FC236}">
+                <a16:creationId xmlns:a16="http://schemas.microsoft.com/office/drawing/2014/main" id="{B10659D4-358D-D112-D7C4-3FC286410D73}"/>
+              </a:ext>
+            </a:extLst>
+          </p:cNvPr>
+          <p:cNvCxnSpPr>
+            <a:cxnSpLocks/>
+          </p:cNvCxnSpPr>
+          <p:nvPr/>
+        </p:nvCxnSpPr>
+        <p:spPr>
+          <a:xfrm>
+            <a:off x="5002104" y="1804306"/>
+            <a:ext cx="0" cy="4227918"/>
+          </a:xfrm>
+          <a:prstGeom prst="straightConnector1">
+            <a:avLst/>
+          </a:prstGeom>
+          <a:ln w="38100">
+            <a:solidFill>
+              <a:srgbClr val="FF0000"/>
+            </a:solidFill>
+            <a:tailEnd type="triangle"/>
+          </a:ln>
+        </p:spPr>
+        <p:style>
+          <a:lnRef idx="2">
+            <a:schemeClr val="accent1"/>
+          </a:lnRef>
+          <a:fillRef idx="0">
+            <a:schemeClr val="accent1"/>
+          </a:fillRef>
+          <a:effectRef idx="1">
+            <a:schemeClr val="accent1"/>
+          </a:effectRef>
+          <a:fontRef idx="minor">
+            <a:schemeClr val="tx1"/>
+          </a:fontRef>
+        </p:style>
+      </p:cxnSp>
+    </p:spTree>
+    <p:extLst>
+      <p:ext uri="{BB962C8B-B14F-4D97-AF65-F5344CB8AC3E}">
+        <p14:creationId xmlns:p14="http://schemas.microsoft.com/office/powerpoint/2010/main" val="3920818953"/>
       </p:ext>
     </p:extLst>
   </p:cSld>

--- a/images/ImageSource.pptx
+++ b/images/ImageSource.pptx
@@ -16,6 +16,13 @@
     <p:sldId id="264" r:id="rId10"/>
     <p:sldId id="265" r:id="rId11"/>
     <p:sldId id="266" r:id="rId12"/>
+    <p:sldId id="267" r:id="rId13"/>
+    <p:sldId id="268" r:id="rId14"/>
+    <p:sldId id="269" r:id="rId15"/>
+    <p:sldId id="270" r:id="rId16"/>
+    <p:sldId id="271" r:id="rId17"/>
+    <p:sldId id="272" r:id="rId18"/>
+    <p:sldId id="273" r:id="rId19"/>
   </p:sldIdLst>
   <p:sldSz cx="12192000" cy="6858000"/>
   <p:notesSz cx="6858000" cy="9144000"/>
@@ -269,7 +276,7 @@
           <a:p>
             <a:fld id="{D99BD87E-2B7E-4B4D-ABA0-A72FD2F4DC14}" type="datetimeFigureOut">
               <a:rPr kumimoji="1" lang="ja-JP" altLang="en-US" smtClean="0"/>
-              <a:t>2025/1/25</a:t>
+              <a:t>2025/1/26</a:t>
             </a:fld>
             <a:endParaRPr kumimoji="1" lang="ja-JP" altLang="en-US"/>
           </a:p>
@@ -499,7 +506,7 @@
           <a:p>
             <a:fld id="{D99BD87E-2B7E-4B4D-ABA0-A72FD2F4DC14}" type="datetimeFigureOut">
               <a:rPr kumimoji="1" lang="ja-JP" altLang="en-US" smtClean="0"/>
-              <a:t>2025/1/25</a:t>
+              <a:t>2025/1/26</a:t>
             </a:fld>
             <a:endParaRPr kumimoji="1" lang="ja-JP" altLang="en-US"/>
           </a:p>
@@ -739,7 +746,7 @@
           <a:p>
             <a:fld id="{D99BD87E-2B7E-4B4D-ABA0-A72FD2F4DC14}" type="datetimeFigureOut">
               <a:rPr kumimoji="1" lang="ja-JP" altLang="en-US" smtClean="0"/>
-              <a:t>2025/1/25</a:t>
+              <a:t>2025/1/26</a:t>
             </a:fld>
             <a:endParaRPr kumimoji="1" lang="ja-JP" altLang="en-US"/>
           </a:p>
@@ -969,7 +976,7 @@
           <a:p>
             <a:fld id="{D99BD87E-2B7E-4B4D-ABA0-A72FD2F4DC14}" type="datetimeFigureOut">
               <a:rPr kumimoji="1" lang="ja-JP" altLang="en-US" smtClean="0"/>
-              <a:t>2025/1/25</a:t>
+              <a:t>2025/1/26</a:t>
             </a:fld>
             <a:endParaRPr kumimoji="1" lang="ja-JP" altLang="en-US"/>
           </a:p>
@@ -1244,7 +1251,7 @@
           <a:p>
             <a:fld id="{D99BD87E-2B7E-4B4D-ABA0-A72FD2F4DC14}" type="datetimeFigureOut">
               <a:rPr kumimoji="1" lang="ja-JP" altLang="en-US" smtClean="0"/>
-              <a:t>2025/1/25</a:t>
+              <a:t>2025/1/26</a:t>
             </a:fld>
             <a:endParaRPr kumimoji="1" lang="ja-JP" altLang="en-US"/>
           </a:p>
@@ -1573,7 +1580,7 @@
           <a:p>
             <a:fld id="{D99BD87E-2B7E-4B4D-ABA0-A72FD2F4DC14}" type="datetimeFigureOut">
               <a:rPr kumimoji="1" lang="ja-JP" altLang="en-US" smtClean="0"/>
-              <a:t>2025/1/25</a:t>
+              <a:t>2025/1/26</a:t>
             </a:fld>
             <a:endParaRPr kumimoji="1" lang="ja-JP" altLang="en-US"/>
           </a:p>
@@ -2049,7 +2056,7 @@
           <a:p>
             <a:fld id="{D99BD87E-2B7E-4B4D-ABA0-A72FD2F4DC14}" type="datetimeFigureOut">
               <a:rPr kumimoji="1" lang="ja-JP" altLang="en-US" smtClean="0"/>
-              <a:t>2025/1/25</a:t>
+              <a:t>2025/1/26</a:t>
             </a:fld>
             <a:endParaRPr kumimoji="1" lang="ja-JP" altLang="en-US"/>
           </a:p>
@@ -2190,7 +2197,7 @@
           <a:p>
             <a:fld id="{D99BD87E-2B7E-4B4D-ABA0-A72FD2F4DC14}" type="datetimeFigureOut">
               <a:rPr kumimoji="1" lang="ja-JP" altLang="en-US" smtClean="0"/>
-              <a:t>2025/1/25</a:t>
+              <a:t>2025/1/26</a:t>
             </a:fld>
             <a:endParaRPr kumimoji="1" lang="ja-JP" altLang="en-US"/>
           </a:p>
@@ -2303,7 +2310,7 @@
           <a:p>
             <a:fld id="{D99BD87E-2B7E-4B4D-ABA0-A72FD2F4DC14}" type="datetimeFigureOut">
               <a:rPr kumimoji="1" lang="ja-JP" altLang="en-US" smtClean="0"/>
-              <a:t>2025/1/25</a:t>
+              <a:t>2025/1/26</a:t>
             </a:fld>
             <a:endParaRPr kumimoji="1" lang="ja-JP" altLang="en-US"/>
           </a:p>
@@ -2646,7 +2653,7 @@
           <a:p>
             <a:fld id="{D99BD87E-2B7E-4B4D-ABA0-A72FD2F4DC14}" type="datetimeFigureOut">
               <a:rPr kumimoji="1" lang="ja-JP" altLang="en-US" smtClean="0"/>
-              <a:t>2025/1/25</a:t>
+              <a:t>2025/1/26</a:t>
             </a:fld>
             <a:endParaRPr kumimoji="1" lang="ja-JP" altLang="en-US"/>
           </a:p>
@@ -2934,7 +2941,7 @@
           <a:p>
             <a:fld id="{D99BD87E-2B7E-4B4D-ABA0-A72FD2F4DC14}" type="datetimeFigureOut">
               <a:rPr kumimoji="1" lang="ja-JP" altLang="en-US" smtClean="0"/>
-              <a:t>2025/1/25</a:t>
+              <a:t>2025/1/26</a:t>
             </a:fld>
             <a:endParaRPr kumimoji="1" lang="ja-JP" altLang="en-US"/>
           </a:p>
@@ -3207,7 +3214,7 @@
           <a:p>
             <a:fld id="{D99BD87E-2B7E-4B4D-ABA0-A72FD2F4DC14}" type="datetimeFigureOut">
               <a:rPr kumimoji="1" lang="ja-JP" altLang="en-US" smtClean="0"/>
-              <a:t>2025/1/25</a:t>
+              <a:t>2025/1/26</a:t>
             </a:fld>
             <a:endParaRPr kumimoji="1" lang="ja-JP" altLang="en-US"/>
           </a:p>
@@ -5310,6 +5317,1647 @@
     <p:extLst>
       <p:ext uri="{BB962C8B-B14F-4D97-AF65-F5344CB8AC3E}">
         <p14:creationId xmlns:p14="http://schemas.microsoft.com/office/powerpoint/2010/main" val="2018181780"/>
+      </p:ext>
+    </p:extLst>
+  </p:cSld>
+  <p:clrMapOvr>
+    <a:masterClrMapping/>
+  </p:clrMapOvr>
+</p:sld>
+</file>
+
+<file path=ppt/slides/slide12.xml><?xml version="1.0" encoding="utf-8"?>
+<p:sld xmlns:a="http://schemas.openxmlformats.org/drawingml/2006/main" xmlns:r="http://schemas.openxmlformats.org/officeDocument/2006/relationships" xmlns:p="http://schemas.openxmlformats.org/presentationml/2006/main">
+  <p:cSld>
+    <p:spTree>
+      <p:nvGrpSpPr>
+        <p:cNvPr id="1" name=""/>
+        <p:cNvGrpSpPr/>
+        <p:nvPr/>
+      </p:nvGrpSpPr>
+      <p:grpSpPr>
+        <a:xfrm>
+          <a:off x="0" y="0"/>
+          <a:ext cx="0" cy="0"/>
+          <a:chOff x="0" y="0"/>
+          <a:chExt cx="0" cy="0"/>
+        </a:xfrm>
+      </p:grpSpPr>
+      <p:pic>
+        <p:nvPicPr>
+          <p:cNvPr id="3" name="図 2">
+            <a:extLst>
+              <a:ext uri="{FF2B5EF4-FFF2-40B4-BE49-F238E27FC236}">
+                <a16:creationId xmlns:a16="http://schemas.microsoft.com/office/drawing/2014/main" id="{1D9F32B9-1507-9382-92F0-A52C3A7C4523}"/>
+              </a:ext>
+            </a:extLst>
+          </p:cNvPr>
+          <p:cNvPicPr>
+            <a:picLocks noChangeAspect="1"/>
+          </p:cNvPicPr>
+          <p:nvPr/>
+        </p:nvPicPr>
+        <p:blipFill>
+          <a:blip r:embed="rId2"/>
+          <a:stretch>
+            <a:fillRect/>
+          </a:stretch>
+        </p:blipFill>
+        <p:spPr>
+          <a:xfrm>
+            <a:off x="879143" y="0"/>
+            <a:ext cx="10433714" cy="6858000"/>
+          </a:xfrm>
+          <a:prstGeom prst="rect">
+            <a:avLst/>
+          </a:prstGeom>
+        </p:spPr>
+      </p:pic>
+      <p:sp>
+        <p:nvSpPr>
+          <p:cNvPr id="4" name="正方形/長方形 3">
+            <a:extLst>
+              <a:ext uri="{FF2B5EF4-FFF2-40B4-BE49-F238E27FC236}">
+                <a16:creationId xmlns:a16="http://schemas.microsoft.com/office/drawing/2014/main" id="{0EF13CCA-08A4-4874-C1C8-0AA8004B6364}"/>
+              </a:ext>
+            </a:extLst>
+          </p:cNvPr>
+          <p:cNvSpPr/>
+          <p:nvPr/>
+        </p:nvSpPr>
+        <p:spPr>
+          <a:xfrm>
+            <a:off x="2023406" y="2903948"/>
+            <a:ext cx="1035669" cy="238266"/>
+          </a:xfrm>
+          <a:prstGeom prst="rect">
+            <a:avLst/>
+          </a:prstGeom>
+          <a:noFill/>
+          <a:ln w="38100" cap="flat" cmpd="sng" algn="ctr">
+            <a:solidFill>
+              <a:srgbClr val="FF0000"/>
+            </a:solidFill>
+            <a:prstDash val="solid"/>
+            <a:round/>
+            <a:headEnd type="none" w="med" len="med"/>
+            <a:tailEnd type="none" w="med" len="med"/>
+          </a:ln>
+        </p:spPr>
+        <p:style>
+          <a:lnRef idx="0">
+            <a:scrgbClr r="0" g="0" b="0"/>
+          </a:lnRef>
+          <a:fillRef idx="0">
+            <a:scrgbClr r="0" g="0" b="0"/>
+          </a:fillRef>
+          <a:effectRef idx="0">
+            <a:scrgbClr r="0" g="0" b="0"/>
+          </a:effectRef>
+          <a:fontRef idx="minor">
+            <a:schemeClr val="dk1"/>
+          </a:fontRef>
+        </p:style>
+        <p:txBody>
+          <a:bodyPr rtlCol="0" anchor="ctr"/>
+          <a:lstStyle/>
+          <a:p>
+            <a:pPr algn="ctr"/>
+            <a:endParaRPr kumimoji="1" lang="ja-JP" altLang="en-US"/>
+          </a:p>
+        </p:txBody>
+      </p:sp>
+      <p:sp>
+        <p:nvSpPr>
+          <p:cNvPr id="5" name="正方形/長方形 4">
+            <a:extLst>
+              <a:ext uri="{FF2B5EF4-FFF2-40B4-BE49-F238E27FC236}">
+                <a16:creationId xmlns:a16="http://schemas.microsoft.com/office/drawing/2014/main" id="{316DD86A-6293-B3A8-9472-A10D09C4A48E}"/>
+              </a:ext>
+            </a:extLst>
+          </p:cNvPr>
+          <p:cNvSpPr/>
+          <p:nvPr/>
+        </p:nvSpPr>
+        <p:spPr>
+          <a:xfrm>
+            <a:off x="4422370" y="2025489"/>
+            <a:ext cx="6982691" cy="2388568"/>
+          </a:xfrm>
+          <a:prstGeom prst="rect">
+            <a:avLst/>
+          </a:prstGeom>
+          <a:noFill/>
+          <a:ln w="38100" cap="flat" cmpd="sng" algn="ctr">
+            <a:solidFill>
+              <a:srgbClr val="FF0000"/>
+            </a:solidFill>
+            <a:prstDash val="solid"/>
+            <a:round/>
+            <a:headEnd type="none" w="med" len="med"/>
+            <a:tailEnd type="none" w="med" len="med"/>
+          </a:ln>
+        </p:spPr>
+        <p:style>
+          <a:lnRef idx="0">
+            <a:scrgbClr r="0" g="0" b="0"/>
+          </a:lnRef>
+          <a:fillRef idx="0">
+            <a:scrgbClr r="0" g="0" b="0"/>
+          </a:fillRef>
+          <a:effectRef idx="0">
+            <a:scrgbClr r="0" g="0" b="0"/>
+          </a:effectRef>
+          <a:fontRef idx="minor">
+            <a:schemeClr val="dk1"/>
+          </a:fontRef>
+        </p:style>
+        <p:txBody>
+          <a:bodyPr rtlCol="0" anchor="ctr"/>
+          <a:lstStyle/>
+          <a:p>
+            <a:pPr algn="ctr"/>
+            <a:endParaRPr kumimoji="1" lang="ja-JP" altLang="en-US"/>
+          </a:p>
+        </p:txBody>
+      </p:sp>
+      <p:cxnSp>
+        <p:nvCxnSpPr>
+          <p:cNvPr id="6" name="直線矢印コネクタ 5">
+            <a:extLst>
+              <a:ext uri="{FF2B5EF4-FFF2-40B4-BE49-F238E27FC236}">
+                <a16:creationId xmlns:a16="http://schemas.microsoft.com/office/drawing/2014/main" id="{73AA68D4-17D3-2A50-42A9-37567A30D853}"/>
+              </a:ext>
+            </a:extLst>
+          </p:cNvPr>
+          <p:cNvCxnSpPr>
+            <a:cxnSpLocks/>
+          </p:cNvCxnSpPr>
+          <p:nvPr/>
+        </p:nvCxnSpPr>
+        <p:spPr>
+          <a:xfrm>
+            <a:off x="3059075" y="3025833"/>
+            <a:ext cx="1363296" cy="0"/>
+          </a:xfrm>
+          <a:prstGeom prst="straightConnector1">
+            <a:avLst/>
+          </a:prstGeom>
+          <a:ln w="38100">
+            <a:solidFill>
+              <a:srgbClr val="FF0000"/>
+            </a:solidFill>
+            <a:tailEnd type="triangle"/>
+          </a:ln>
+        </p:spPr>
+        <p:style>
+          <a:lnRef idx="2">
+            <a:schemeClr val="accent1"/>
+          </a:lnRef>
+          <a:fillRef idx="0">
+            <a:schemeClr val="accent1"/>
+          </a:fillRef>
+          <a:effectRef idx="1">
+            <a:schemeClr val="accent1"/>
+          </a:effectRef>
+          <a:fontRef idx="minor">
+            <a:schemeClr val="tx1"/>
+          </a:fontRef>
+        </p:style>
+      </p:cxnSp>
+      <p:sp>
+        <p:nvSpPr>
+          <p:cNvPr id="9" name="正方形/長方形 8">
+            <a:extLst>
+              <a:ext uri="{FF2B5EF4-FFF2-40B4-BE49-F238E27FC236}">
+                <a16:creationId xmlns:a16="http://schemas.microsoft.com/office/drawing/2014/main" id="{5ED3144F-4843-03DA-AE6E-45C217F179B5}"/>
+              </a:ext>
+            </a:extLst>
+          </p:cNvPr>
+          <p:cNvSpPr/>
+          <p:nvPr/>
+        </p:nvSpPr>
+        <p:spPr>
+          <a:xfrm>
+            <a:off x="5390467" y="2817253"/>
+            <a:ext cx="5150261" cy="914400"/>
+          </a:xfrm>
+          <a:prstGeom prst="rect">
+            <a:avLst/>
+          </a:prstGeom>
+        </p:spPr>
+        <p:style>
+          <a:lnRef idx="2">
+            <a:schemeClr val="accent1">
+              <a:shade val="15000"/>
+            </a:schemeClr>
+          </a:lnRef>
+          <a:fillRef idx="1">
+            <a:schemeClr val="accent1"/>
+          </a:fillRef>
+          <a:effectRef idx="0">
+            <a:schemeClr val="accent1"/>
+          </a:effectRef>
+          <a:fontRef idx="minor">
+            <a:schemeClr val="lt1"/>
+          </a:fontRef>
+        </p:style>
+        <p:txBody>
+          <a:bodyPr rtlCol="0" anchor="ctr"/>
+          <a:lstStyle/>
+          <a:p>
+            <a:pPr algn="ctr"/>
+            <a:r>
+              <a:rPr kumimoji="1" lang="ja-JP" altLang="en-US" dirty="0"/>
+              <a:t>ここに任意の画像をドラッグアンドドロップ</a:t>
+            </a:r>
+          </a:p>
+        </p:txBody>
+      </p:sp>
+    </p:spTree>
+    <p:extLst>
+      <p:ext uri="{BB962C8B-B14F-4D97-AF65-F5344CB8AC3E}">
+        <p14:creationId xmlns:p14="http://schemas.microsoft.com/office/powerpoint/2010/main" val="2686106953"/>
+      </p:ext>
+    </p:extLst>
+  </p:cSld>
+  <p:clrMapOvr>
+    <a:masterClrMapping/>
+  </p:clrMapOvr>
+</p:sld>
+</file>
+
+<file path=ppt/slides/slide13.xml><?xml version="1.0" encoding="utf-8"?>
+<p:sld xmlns:a="http://schemas.openxmlformats.org/drawingml/2006/main" xmlns:r="http://schemas.openxmlformats.org/officeDocument/2006/relationships" xmlns:p="http://schemas.openxmlformats.org/presentationml/2006/main">
+  <p:cSld>
+    <p:spTree>
+      <p:nvGrpSpPr>
+        <p:cNvPr id="1" name=""/>
+        <p:cNvGrpSpPr/>
+        <p:nvPr/>
+      </p:nvGrpSpPr>
+      <p:grpSpPr>
+        <a:xfrm>
+          <a:off x="0" y="0"/>
+          <a:ext cx="0" cy="0"/>
+          <a:chOff x="0" y="0"/>
+          <a:chExt cx="0" cy="0"/>
+        </a:xfrm>
+      </p:grpSpPr>
+      <p:pic>
+        <p:nvPicPr>
+          <p:cNvPr id="3" name="図 2">
+            <a:extLst>
+              <a:ext uri="{FF2B5EF4-FFF2-40B4-BE49-F238E27FC236}">
+                <a16:creationId xmlns:a16="http://schemas.microsoft.com/office/drawing/2014/main" id="{33EA959F-B9CD-8376-C231-A30F944D6CBA}"/>
+              </a:ext>
+            </a:extLst>
+          </p:cNvPr>
+          <p:cNvPicPr>
+            <a:picLocks noChangeAspect="1"/>
+          </p:cNvPicPr>
+          <p:nvPr/>
+        </p:nvPicPr>
+        <p:blipFill>
+          <a:blip r:embed="rId2"/>
+          <a:stretch>
+            <a:fillRect/>
+          </a:stretch>
+        </p:blipFill>
+        <p:spPr>
+          <a:xfrm>
+            <a:off x="841612" y="0"/>
+            <a:ext cx="10508776" cy="6858000"/>
+          </a:xfrm>
+          <a:prstGeom prst="rect">
+            <a:avLst/>
+          </a:prstGeom>
+        </p:spPr>
+      </p:pic>
+      <p:sp>
+        <p:nvSpPr>
+          <p:cNvPr id="4" name="正方形/長方形 3">
+            <a:extLst>
+              <a:ext uri="{FF2B5EF4-FFF2-40B4-BE49-F238E27FC236}">
+                <a16:creationId xmlns:a16="http://schemas.microsoft.com/office/drawing/2014/main" id="{4A2B8BE9-B112-8336-856B-0842AC7FA16D}"/>
+              </a:ext>
+            </a:extLst>
+          </p:cNvPr>
+          <p:cNvSpPr/>
+          <p:nvPr/>
+        </p:nvSpPr>
+        <p:spPr>
+          <a:xfrm>
+            <a:off x="1709641" y="2455712"/>
+            <a:ext cx="2557559" cy="223007"/>
+          </a:xfrm>
+          <a:prstGeom prst="rect">
+            <a:avLst/>
+          </a:prstGeom>
+          <a:noFill/>
+          <a:ln w="38100" cap="flat" cmpd="sng" algn="ctr">
+            <a:solidFill>
+              <a:srgbClr val="FF0000"/>
+            </a:solidFill>
+            <a:prstDash val="solid"/>
+            <a:round/>
+            <a:headEnd type="none" w="med" len="med"/>
+            <a:tailEnd type="none" w="med" len="med"/>
+          </a:ln>
+        </p:spPr>
+        <p:style>
+          <a:lnRef idx="0">
+            <a:scrgbClr r="0" g="0" b="0"/>
+          </a:lnRef>
+          <a:fillRef idx="0">
+            <a:scrgbClr r="0" g="0" b="0"/>
+          </a:fillRef>
+          <a:effectRef idx="0">
+            <a:scrgbClr r="0" g="0" b="0"/>
+          </a:effectRef>
+          <a:fontRef idx="minor">
+            <a:schemeClr val="dk1"/>
+          </a:fontRef>
+        </p:style>
+        <p:txBody>
+          <a:bodyPr rtlCol="0" anchor="ctr"/>
+          <a:lstStyle/>
+          <a:p>
+            <a:pPr algn="ctr"/>
+            <a:endParaRPr kumimoji="1" lang="ja-JP" altLang="en-US"/>
+          </a:p>
+        </p:txBody>
+      </p:sp>
+      <p:sp>
+        <p:nvSpPr>
+          <p:cNvPr id="5" name="正方形/長方形 4">
+            <a:extLst>
+              <a:ext uri="{FF2B5EF4-FFF2-40B4-BE49-F238E27FC236}">
+                <a16:creationId xmlns:a16="http://schemas.microsoft.com/office/drawing/2014/main" id="{7AA7C1CD-FE60-79DE-ED97-6E16FD8197DA}"/>
+              </a:ext>
+            </a:extLst>
+          </p:cNvPr>
+          <p:cNvSpPr/>
+          <p:nvPr/>
+        </p:nvSpPr>
+        <p:spPr>
+          <a:xfrm>
+            <a:off x="4601511" y="2455711"/>
+            <a:ext cx="6613336" cy="296423"/>
+          </a:xfrm>
+          <a:prstGeom prst="rect">
+            <a:avLst/>
+          </a:prstGeom>
+          <a:noFill/>
+          <a:ln w="38100" cap="flat" cmpd="sng" algn="ctr">
+            <a:solidFill>
+              <a:srgbClr val="FF0000"/>
+            </a:solidFill>
+            <a:prstDash val="solid"/>
+            <a:round/>
+            <a:headEnd type="none" w="med" len="med"/>
+            <a:tailEnd type="none" w="med" len="med"/>
+          </a:ln>
+        </p:spPr>
+        <p:style>
+          <a:lnRef idx="0">
+            <a:scrgbClr r="0" g="0" b="0"/>
+          </a:lnRef>
+          <a:fillRef idx="0">
+            <a:scrgbClr r="0" g="0" b="0"/>
+          </a:fillRef>
+          <a:effectRef idx="0">
+            <a:scrgbClr r="0" g="0" b="0"/>
+          </a:effectRef>
+          <a:fontRef idx="minor">
+            <a:schemeClr val="dk1"/>
+          </a:fontRef>
+        </p:style>
+        <p:txBody>
+          <a:bodyPr rtlCol="0" anchor="ctr"/>
+          <a:lstStyle/>
+          <a:p>
+            <a:pPr algn="ctr"/>
+            <a:endParaRPr kumimoji="1" lang="ja-JP" altLang="en-US"/>
+          </a:p>
+        </p:txBody>
+      </p:sp>
+      <p:cxnSp>
+        <p:nvCxnSpPr>
+          <p:cNvPr id="6" name="直線矢印コネクタ 5">
+            <a:extLst>
+              <a:ext uri="{FF2B5EF4-FFF2-40B4-BE49-F238E27FC236}">
+                <a16:creationId xmlns:a16="http://schemas.microsoft.com/office/drawing/2014/main" id="{361DE79E-1342-E905-EB62-B262B7E8D03A}"/>
+              </a:ext>
+            </a:extLst>
+          </p:cNvPr>
+          <p:cNvCxnSpPr>
+            <a:cxnSpLocks/>
+          </p:cNvCxnSpPr>
+          <p:nvPr/>
+        </p:nvCxnSpPr>
+        <p:spPr>
+          <a:xfrm flipV="1">
+            <a:off x="3155577" y="2752134"/>
+            <a:ext cx="1739152" cy="874335"/>
+          </a:xfrm>
+          <a:prstGeom prst="straightConnector1">
+            <a:avLst/>
+          </a:prstGeom>
+          <a:ln w="38100">
+            <a:solidFill>
+              <a:srgbClr val="FF0000"/>
+            </a:solidFill>
+            <a:tailEnd type="triangle"/>
+          </a:ln>
+        </p:spPr>
+        <p:style>
+          <a:lnRef idx="2">
+            <a:schemeClr val="accent1"/>
+          </a:lnRef>
+          <a:fillRef idx="0">
+            <a:schemeClr val="accent1"/>
+          </a:fillRef>
+          <a:effectRef idx="1">
+            <a:schemeClr val="accent1"/>
+          </a:effectRef>
+          <a:fontRef idx="minor">
+            <a:schemeClr val="tx1"/>
+          </a:fontRef>
+        </p:style>
+      </p:cxnSp>
+      <p:sp>
+        <p:nvSpPr>
+          <p:cNvPr id="7" name="正方形/長方形 6">
+            <a:extLst>
+              <a:ext uri="{FF2B5EF4-FFF2-40B4-BE49-F238E27FC236}">
+                <a16:creationId xmlns:a16="http://schemas.microsoft.com/office/drawing/2014/main" id="{846975E1-57C7-0A8A-4D23-3C8AC8A813EE}"/>
+              </a:ext>
+            </a:extLst>
+          </p:cNvPr>
+          <p:cNvSpPr/>
+          <p:nvPr/>
+        </p:nvSpPr>
+        <p:spPr>
+          <a:xfrm>
+            <a:off x="2077195" y="3529473"/>
+            <a:ext cx="1078382" cy="223006"/>
+          </a:xfrm>
+          <a:prstGeom prst="rect">
+            <a:avLst/>
+          </a:prstGeom>
+          <a:noFill/>
+          <a:ln w="38100" cap="flat" cmpd="sng" algn="ctr">
+            <a:solidFill>
+              <a:srgbClr val="FF0000"/>
+            </a:solidFill>
+            <a:prstDash val="solid"/>
+            <a:round/>
+            <a:headEnd type="none" w="med" len="med"/>
+            <a:tailEnd type="none" w="med" len="med"/>
+          </a:ln>
+        </p:spPr>
+        <p:style>
+          <a:lnRef idx="0">
+            <a:scrgbClr r="0" g="0" b="0"/>
+          </a:lnRef>
+          <a:fillRef idx="0">
+            <a:scrgbClr r="0" g="0" b="0"/>
+          </a:fillRef>
+          <a:effectRef idx="0">
+            <a:scrgbClr r="0" g="0" b="0"/>
+          </a:effectRef>
+          <a:fontRef idx="minor">
+            <a:schemeClr val="dk1"/>
+          </a:fontRef>
+        </p:style>
+        <p:txBody>
+          <a:bodyPr rtlCol="0" anchor="ctr"/>
+          <a:lstStyle/>
+          <a:p>
+            <a:pPr algn="ctr"/>
+            <a:endParaRPr kumimoji="1" lang="ja-JP" altLang="en-US"/>
+          </a:p>
+        </p:txBody>
+      </p:sp>
+      <p:cxnSp>
+        <p:nvCxnSpPr>
+          <p:cNvPr id="8" name="直線矢印コネクタ 7">
+            <a:extLst>
+              <a:ext uri="{FF2B5EF4-FFF2-40B4-BE49-F238E27FC236}">
+                <a16:creationId xmlns:a16="http://schemas.microsoft.com/office/drawing/2014/main" id="{8225A468-CE55-5BBF-F815-6F18CC312757}"/>
+              </a:ext>
+            </a:extLst>
+          </p:cNvPr>
+          <p:cNvCxnSpPr>
+            <a:cxnSpLocks/>
+            <a:endCxn id="7" idx="0"/>
+          </p:cNvCxnSpPr>
+          <p:nvPr/>
+        </p:nvCxnSpPr>
+        <p:spPr>
+          <a:xfrm>
+            <a:off x="2429435" y="2678719"/>
+            <a:ext cx="186951" cy="850754"/>
+          </a:xfrm>
+          <a:prstGeom prst="straightConnector1">
+            <a:avLst/>
+          </a:prstGeom>
+          <a:ln w="38100">
+            <a:solidFill>
+              <a:srgbClr val="FF0000"/>
+            </a:solidFill>
+            <a:tailEnd type="triangle"/>
+          </a:ln>
+        </p:spPr>
+        <p:style>
+          <a:lnRef idx="2">
+            <a:schemeClr val="accent1"/>
+          </a:lnRef>
+          <a:fillRef idx="0">
+            <a:schemeClr val="accent1"/>
+          </a:fillRef>
+          <a:effectRef idx="1">
+            <a:schemeClr val="accent1"/>
+          </a:effectRef>
+          <a:fontRef idx="minor">
+            <a:schemeClr val="tx1"/>
+          </a:fontRef>
+        </p:style>
+      </p:cxnSp>
+      <p:sp>
+        <p:nvSpPr>
+          <p:cNvPr id="13" name="正方形/長方形 12">
+            <a:extLst>
+              <a:ext uri="{FF2B5EF4-FFF2-40B4-BE49-F238E27FC236}">
+                <a16:creationId xmlns:a16="http://schemas.microsoft.com/office/drawing/2014/main" id="{9C4943F1-BC49-B5FC-D65D-CDDFC7811318}"/>
+              </a:ext>
+            </a:extLst>
+          </p:cNvPr>
+          <p:cNvSpPr/>
+          <p:nvPr/>
+        </p:nvSpPr>
+        <p:spPr>
+          <a:xfrm>
+            <a:off x="190938" y="1514062"/>
+            <a:ext cx="4076262" cy="914400"/>
+          </a:xfrm>
+          <a:prstGeom prst="rect">
+            <a:avLst/>
+          </a:prstGeom>
+        </p:spPr>
+        <p:style>
+          <a:lnRef idx="2">
+            <a:schemeClr val="accent1">
+              <a:shade val="15000"/>
+            </a:schemeClr>
+          </a:lnRef>
+          <a:fillRef idx="1">
+            <a:schemeClr val="accent1"/>
+          </a:fillRef>
+          <a:effectRef idx="0">
+            <a:schemeClr val="accent1"/>
+          </a:effectRef>
+          <a:fontRef idx="minor">
+            <a:schemeClr val="lt1"/>
+          </a:fontRef>
+        </p:style>
+        <p:txBody>
+          <a:bodyPr rtlCol="0" anchor="ctr"/>
+          <a:lstStyle/>
+          <a:p>
+            <a:pPr algn="ctr"/>
+            <a:r>
+              <a:rPr kumimoji="1" lang="ja-JP" altLang="en-US" dirty="0"/>
+              <a:t>右クリックして「最新の情報に更新」</a:t>
+            </a:r>
+          </a:p>
+        </p:txBody>
+      </p:sp>
+      <p:sp>
+        <p:nvSpPr>
+          <p:cNvPr id="14" name="正方形/長方形 13">
+            <a:extLst>
+              <a:ext uri="{FF2B5EF4-FFF2-40B4-BE49-F238E27FC236}">
+                <a16:creationId xmlns:a16="http://schemas.microsoft.com/office/drawing/2014/main" id="{BBD97C1A-2B37-AD4D-82B4-D970C70C0B33}"/>
+              </a:ext>
+            </a:extLst>
+          </p:cNvPr>
+          <p:cNvSpPr/>
+          <p:nvPr/>
+        </p:nvSpPr>
+        <p:spPr>
+          <a:xfrm>
+            <a:off x="6228558" y="2838079"/>
+            <a:ext cx="4076262" cy="914400"/>
+          </a:xfrm>
+          <a:prstGeom prst="rect">
+            <a:avLst/>
+          </a:prstGeom>
+        </p:spPr>
+        <p:style>
+          <a:lnRef idx="2">
+            <a:schemeClr val="accent1">
+              <a:shade val="15000"/>
+            </a:schemeClr>
+          </a:lnRef>
+          <a:fillRef idx="1">
+            <a:schemeClr val="accent1"/>
+          </a:fillRef>
+          <a:effectRef idx="0">
+            <a:schemeClr val="accent1"/>
+          </a:effectRef>
+          <a:fontRef idx="minor">
+            <a:schemeClr val="lt1"/>
+          </a:fontRef>
+        </p:style>
+        <p:txBody>
+          <a:bodyPr rtlCol="0" anchor="ctr"/>
+          <a:lstStyle/>
+          <a:p>
+            <a:pPr algn="ctr"/>
+            <a:r>
+              <a:rPr kumimoji="1" lang="ja-JP" altLang="en-US" dirty="0"/>
+              <a:t>ダブルクリックで</a:t>
+            </a:r>
+            <a:endParaRPr kumimoji="1" lang="en-US" altLang="ja-JP" dirty="0"/>
+          </a:p>
+          <a:p>
+            <a:pPr algn="ctr"/>
+            <a:r>
+              <a:rPr kumimoji="1" lang="ja-JP" altLang="en-US" dirty="0"/>
+              <a:t>ダウンロードできます</a:t>
+            </a:r>
+          </a:p>
+        </p:txBody>
+      </p:sp>
+    </p:spTree>
+    <p:extLst>
+      <p:ext uri="{BB962C8B-B14F-4D97-AF65-F5344CB8AC3E}">
+        <p14:creationId xmlns:p14="http://schemas.microsoft.com/office/powerpoint/2010/main" val="364824150"/>
+      </p:ext>
+    </p:extLst>
+  </p:cSld>
+  <p:clrMapOvr>
+    <a:masterClrMapping/>
+  </p:clrMapOvr>
+</p:sld>
+</file>
+
+<file path=ppt/slides/slide14.xml><?xml version="1.0" encoding="utf-8"?>
+<p:sld xmlns:a="http://schemas.openxmlformats.org/drawingml/2006/main" xmlns:r="http://schemas.openxmlformats.org/officeDocument/2006/relationships" xmlns:p="http://schemas.openxmlformats.org/presentationml/2006/main">
+  <p:cSld>
+    <p:spTree>
+      <p:nvGrpSpPr>
+        <p:cNvPr id="1" name=""/>
+        <p:cNvGrpSpPr/>
+        <p:nvPr/>
+      </p:nvGrpSpPr>
+      <p:grpSpPr>
+        <a:xfrm>
+          <a:off x="0" y="0"/>
+          <a:ext cx="0" cy="0"/>
+          <a:chOff x="0" y="0"/>
+          <a:chExt cx="0" cy="0"/>
+        </a:xfrm>
+      </p:grpSpPr>
+      <p:pic>
+        <p:nvPicPr>
+          <p:cNvPr id="3" name="図 2">
+            <a:extLst>
+              <a:ext uri="{FF2B5EF4-FFF2-40B4-BE49-F238E27FC236}">
+                <a16:creationId xmlns:a16="http://schemas.microsoft.com/office/drawing/2014/main" id="{00E2C5C8-6463-439E-DC22-08C518A79DE8}"/>
+              </a:ext>
+            </a:extLst>
+          </p:cNvPr>
+          <p:cNvPicPr>
+            <a:picLocks noChangeAspect="1"/>
+          </p:cNvPicPr>
+          <p:nvPr/>
+        </p:nvPicPr>
+        <p:blipFill>
+          <a:blip r:embed="rId2"/>
+          <a:stretch>
+            <a:fillRect/>
+          </a:stretch>
+        </p:blipFill>
+        <p:spPr>
+          <a:xfrm>
+            <a:off x="0" y="168675"/>
+            <a:ext cx="12192000" cy="6520649"/>
+          </a:xfrm>
+          <a:prstGeom prst="rect">
+            <a:avLst/>
+          </a:prstGeom>
+        </p:spPr>
+      </p:pic>
+      <p:sp>
+        <p:nvSpPr>
+          <p:cNvPr id="4" name="正方形/長方形 3">
+            <a:extLst>
+              <a:ext uri="{FF2B5EF4-FFF2-40B4-BE49-F238E27FC236}">
+                <a16:creationId xmlns:a16="http://schemas.microsoft.com/office/drawing/2014/main" id="{C47BDF22-4DDD-9EFB-A73C-AF3AA7E4AF8F}"/>
+              </a:ext>
+            </a:extLst>
+          </p:cNvPr>
+          <p:cNvSpPr/>
+          <p:nvPr/>
+        </p:nvSpPr>
+        <p:spPr>
+          <a:xfrm>
+            <a:off x="116540" y="3809465"/>
+            <a:ext cx="12003741" cy="1981735"/>
+          </a:xfrm>
+          <a:prstGeom prst="rect">
+            <a:avLst/>
+          </a:prstGeom>
+          <a:noFill/>
+          <a:ln w="38100" cap="flat" cmpd="sng" algn="ctr">
+            <a:solidFill>
+              <a:srgbClr val="FF0000"/>
+            </a:solidFill>
+            <a:prstDash val="solid"/>
+            <a:round/>
+            <a:headEnd type="none" w="med" len="med"/>
+            <a:tailEnd type="none" w="med" len="med"/>
+          </a:ln>
+        </p:spPr>
+        <p:style>
+          <a:lnRef idx="0">
+            <a:scrgbClr r="0" g="0" b="0"/>
+          </a:lnRef>
+          <a:fillRef idx="0">
+            <a:scrgbClr r="0" g="0" b="0"/>
+          </a:fillRef>
+          <a:effectRef idx="0">
+            <a:scrgbClr r="0" g="0" b="0"/>
+          </a:effectRef>
+          <a:fontRef idx="minor">
+            <a:schemeClr val="dk1"/>
+          </a:fontRef>
+        </p:style>
+        <p:txBody>
+          <a:bodyPr rtlCol="0" anchor="ctr"/>
+          <a:lstStyle/>
+          <a:p>
+            <a:pPr algn="ctr"/>
+            <a:endParaRPr kumimoji="1" lang="ja-JP" altLang="en-US"/>
+          </a:p>
+        </p:txBody>
+      </p:sp>
+    </p:spTree>
+    <p:extLst>
+      <p:ext uri="{BB962C8B-B14F-4D97-AF65-F5344CB8AC3E}">
+        <p14:creationId xmlns:p14="http://schemas.microsoft.com/office/powerpoint/2010/main" val="3306864859"/>
+      </p:ext>
+    </p:extLst>
+  </p:cSld>
+  <p:clrMapOvr>
+    <a:masterClrMapping/>
+  </p:clrMapOvr>
+</p:sld>
+</file>
+
+<file path=ppt/slides/slide15.xml><?xml version="1.0" encoding="utf-8"?>
+<p:sld xmlns:a="http://schemas.openxmlformats.org/drawingml/2006/main" xmlns:r="http://schemas.openxmlformats.org/officeDocument/2006/relationships" xmlns:p="http://schemas.openxmlformats.org/presentationml/2006/main">
+  <p:cSld>
+    <p:spTree>
+      <p:nvGrpSpPr>
+        <p:cNvPr id="1" name=""/>
+        <p:cNvGrpSpPr/>
+        <p:nvPr/>
+      </p:nvGrpSpPr>
+      <p:grpSpPr>
+        <a:xfrm>
+          <a:off x="0" y="0"/>
+          <a:ext cx="0" cy="0"/>
+          <a:chOff x="0" y="0"/>
+          <a:chExt cx="0" cy="0"/>
+        </a:xfrm>
+      </p:grpSpPr>
+      <p:pic>
+        <p:nvPicPr>
+          <p:cNvPr id="3" name="図 2">
+            <a:extLst>
+              <a:ext uri="{FF2B5EF4-FFF2-40B4-BE49-F238E27FC236}">
+                <a16:creationId xmlns:a16="http://schemas.microsoft.com/office/drawing/2014/main" id="{3A5D7F77-EFBB-24B6-6801-FDF84F983F33}"/>
+              </a:ext>
+            </a:extLst>
+          </p:cNvPr>
+          <p:cNvPicPr>
+            <a:picLocks noChangeAspect="1"/>
+          </p:cNvPicPr>
+          <p:nvPr/>
+        </p:nvPicPr>
+        <p:blipFill>
+          <a:blip r:embed="rId2"/>
+          <a:stretch>
+            <a:fillRect/>
+          </a:stretch>
+        </p:blipFill>
+        <p:spPr>
+          <a:xfrm>
+            <a:off x="1231706" y="0"/>
+            <a:ext cx="9728587" cy="6858000"/>
+          </a:xfrm>
+          <a:prstGeom prst="rect">
+            <a:avLst/>
+          </a:prstGeom>
+        </p:spPr>
+      </p:pic>
+      <p:sp>
+        <p:nvSpPr>
+          <p:cNvPr id="4" name="正方形/長方形 3">
+            <a:extLst>
+              <a:ext uri="{FF2B5EF4-FFF2-40B4-BE49-F238E27FC236}">
+                <a16:creationId xmlns:a16="http://schemas.microsoft.com/office/drawing/2014/main" id="{94992B00-C4C5-F28A-CECA-CBE0D2256F70}"/>
+              </a:ext>
+            </a:extLst>
+          </p:cNvPr>
+          <p:cNvSpPr/>
+          <p:nvPr/>
+        </p:nvSpPr>
+        <p:spPr>
+          <a:xfrm>
+            <a:off x="5370338" y="1274031"/>
+            <a:ext cx="5423167" cy="339616"/>
+          </a:xfrm>
+          <a:prstGeom prst="rect">
+            <a:avLst/>
+          </a:prstGeom>
+          <a:noFill/>
+          <a:ln w="38100" cap="flat" cmpd="sng" algn="ctr">
+            <a:solidFill>
+              <a:srgbClr val="FF0000"/>
+            </a:solidFill>
+            <a:prstDash val="solid"/>
+            <a:round/>
+            <a:headEnd type="none" w="med" len="med"/>
+            <a:tailEnd type="none" w="med" len="med"/>
+          </a:ln>
+        </p:spPr>
+        <p:style>
+          <a:lnRef idx="0">
+            <a:scrgbClr r="0" g="0" b="0"/>
+          </a:lnRef>
+          <a:fillRef idx="0">
+            <a:scrgbClr r="0" g="0" b="0"/>
+          </a:fillRef>
+          <a:effectRef idx="0">
+            <a:scrgbClr r="0" g="0" b="0"/>
+          </a:effectRef>
+          <a:fontRef idx="minor">
+            <a:schemeClr val="dk1"/>
+          </a:fontRef>
+        </p:style>
+        <p:txBody>
+          <a:bodyPr rtlCol="0" anchor="ctr"/>
+          <a:lstStyle/>
+          <a:p>
+            <a:pPr algn="ctr"/>
+            <a:endParaRPr kumimoji="1" lang="ja-JP" altLang="en-US"/>
+          </a:p>
+        </p:txBody>
+      </p:sp>
+      <p:sp>
+        <p:nvSpPr>
+          <p:cNvPr id="5" name="正方形/長方形 4">
+            <a:extLst>
+              <a:ext uri="{FF2B5EF4-FFF2-40B4-BE49-F238E27FC236}">
+                <a16:creationId xmlns:a16="http://schemas.microsoft.com/office/drawing/2014/main" id="{0E11CEE5-E0BD-EBA2-BB23-21414AFF87EA}"/>
+              </a:ext>
+            </a:extLst>
+          </p:cNvPr>
+          <p:cNvSpPr/>
+          <p:nvPr/>
+        </p:nvSpPr>
+        <p:spPr>
+          <a:xfrm>
+            <a:off x="6096000" y="5181601"/>
+            <a:ext cx="4365812" cy="339616"/>
+          </a:xfrm>
+          <a:prstGeom prst="rect">
+            <a:avLst/>
+          </a:prstGeom>
+          <a:noFill/>
+          <a:ln w="38100" cap="flat" cmpd="sng" algn="ctr">
+            <a:solidFill>
+              <a:srgbClr val="FF0000"/>
+            </a:solidFill>
+            <a:prstDash val="solid"/>
+            <a:round/>
+            <a:headEnd type="none" w="med" len="med"/>
+            <a:tailEnd type="none" w="med" len="med"/>
+          </a:ln>
+        </p:spPr>
+        <p:style>
+          <a:lnRef idx="0">
+            <a:scrgbClr r="0" g="0" b="0"/>
+          </a:lnRef>
+          <a:fillRef idx="0">
+            <a:scrgbClr r="0" g="0" b="0"/>
+          </a:fillRef>
+          <a:effectRef idx="0">
+            <a:scrgbClr r="0" g="0" b="0"/>
+          </a:effectRef>
+          <a:fontRef idx="minor">
+            <a:schemeClr val="dk1"/>
+          </a:fontRef>
+        </p:style>
+        <p:txBody>
+          <a:bodyPr rtlCol="0" anchor="ctr"/>
+          <a:lstStyle/>
+          <a:p>
+            <a:pPr algn="ctr"/>
+            <a:endParaRPr kumimoji="1" lang="ja-JP" altLang="en-US"/>
+          </a:p>
+        </p:txBody>
+      </p:sp>
+      <p:cxnSp>
+        <p:nvCxnSpPr>
+          <p:cNvPr id="6" name="直線矢印コネクタ 5">
+            <a:extLst>
+              <a:ext uri="{FF2B5EF4-FFF2-40B4-BE49-F238E27FC236}">
+                <a16:creationId xmlns:a16="http://schemas.microsoft.com/office/drawing/2014/main" id="{ADDC6BCE-1E10-3995-CCA7-2442C260B07B}"/>
+              </a:ext>
+            </a:extLst>
+          </p:cNvPr>
+          <p:cNvCxnSpPr>
+            <a:cxnSpLocks/>
+          </p:cNvCxnSpPr>
+          <p:nvPr/>
+        </p:nvCxnSpPr>
+        <p:spPr>
+          <a:xfrm>
+            <a:off x="7557045" y="1613647"/>
+            <a:ext cx="0" cy="3567953"/>
+          </a:xfrm>
+          <a:prstGeom prst="straightConnector1">
+            <a:avLst/>
+          </a:prstGeom>
+          <a:ln w="38100">
+            <a:solidFill>
+              <a:srgbClr val="FF0000"/>
+            </a:solidFill>
+            <a:tailEnd type="triangle"/>
+          </a:ln>
+        </p:spPr>
+        <p:style>
+          <a:lnRef idx="2">
+            <a:schemeClr val="accent1"/>
+          </a:lnRef>
+          <a:fillRef idx="0">
+            <a:schemeClr val="accent1"/>
+          </a:fillRef>
+          <a:effectRef idx="1">
+            <a:schemeClr val="accent1"/>
+          </a:effectRef>
+          <a:fontRef idx="minor">
+            <a:schemeClr val="tx1"/>
+          </a:fontRef>
+        </p:style>
+      </p:cxnSp>
+      <p:sp>
+        <p:nvSpPr>
+          <p:cNvPr id="8" name="正方形/長方形 7">
+            <a:extLst>
+              <a:ext uri="{FF2B5EF4-FFF2-40B4-BE49-F238E27FC236}">
+                <a16:creationId xmlns:a16="http://schemas.microsoft.com/office/drawing/2014/main" id="{699D4FA4-AC1D-D5AA-0682-C33D3BA0113D}"/>
+              </a:ext>
+            </a:extLst>
+          </p:cNvPr>
+          <p:cNvSpPr/>
+          <p:nvPr/>
+        </p:nvSpPr>
+        <p:spPr>
+          <a:xfrm>
+            <a:off x="1550894" y="5244353"/>
+            <a:ext cx="2286000" cy="339616"/>
+          </a:xfrm>
+          <a:prstGeom prst="rect">
+            <a:avLst/>
+          </a:prstGeom>
+          <a:noFill/>
+          <a:ln w="38100" cap="flat" cmpd="sng" algn="ctr">
+            <a:solidFill>
+              <a:srgbClr val="FF0000"/>
+            </a:solidFill>
+            <a:prstDash val="solid"/>
+            <a:round/>
+            <a:headEnd type="none" w="med" len="med"/>
+            <a:tailEnd type="none" w="med" len="med"/>
+          </a:ln>
+        </p:spPr>
+        <p:style>
+          <a:lnRef idx="0">
+            <a:scrgbClr r="0" g="0" b="0"/>
+          </a:lnRef>
+          <a:fillRef idx="0">
+            <a:scrgbClr r="0" g="0" b="0"/>
+          </a:fillRef>
+          <a:effectRef idx="0">
+            <a:scrgbClr r="0" g="0" b="0"/>
+          </a:effectRef>
+          <a:fontRef idx="minor">
+            <a:schemeClr val="dk1"/>
+          </a:fontRef>
+        </p:style>
+        <p:txBody>
+          <a:bodyPr rtlCol="0" anchor="ctr"/>
+          <a:lstStyle/>
+          <a:p>
+            <a:pPr algn="ctr"/>
+            <a:endParaRPr kumimoji="1" lang="ja-JP" altLang="en-US"/>
+          </a:p>
+        </p:txBody>
+      </p:sp>
+      <p:cxnSp>
+        <p:nvCxnSpPr>
+          <p:cNvPr id="9" name="直線矢印コネクタ 8">
+            <a:extLst>
+              <a:ext uri="{FF2B5EF4-FFF2-40B4-BE49-F238E27FC236}">
+                <a16:creationId xmlns:a16="http://schemas.microsoft.com/office/drawing/2014/main" id="{E039C1FA-4D8E-7017-A1D4-BA7F11344415}"/>
+              </a:ext>
+            </a:extLst>
+          </p:cNvPr>
+          <p:cNvCxnSpPr>
+            <a:cxnSpLocks/>
+            <a:stCxn id="5" idx="1"/>
+          </p:cNvCxnSpPr>
+          <p:nvPr/>
+        </p:nvCxnSpPr>
+        <p:spPr>
+          <a:xfrm flipH="1">
+            <a:off x="3836894" y="5351409"/>
+            <a:ext cx="2259106" cy="45344"/>
+          </a:xfrm>
+          <a:prstGeom prst="straightConnector1">
+            <a:avLst/>
+          </a:prstGeom>
+          <a:ln w="38100">
+            <a:solidFill>
+              <a:srgbClr val="FF0000"/>
+            </a:solidFill>
+            <a:tailEnd type="triangle"/>
+          </a:ln>
+        </p:spPr>
+        <p:style>
+          <a:lnRef idx="2">
+            <a:schemeClr val="accent1"/>
+          </a:lnRef>
+          <a:fillRef idx="0">
+            <a:schemeClr val="accent1"/>
+          </a:fillRef>
+          <a:effectRef idx="1">
+            <a:schemeClr val="accent1"/>
+          </a:effectRef>
+          <a:fontRef idx="minor">
+            <a:schemeClr val="tx1"/>
+          </a:fontRef>
+        </p:style>
+      </p:cxnSp>
+    </p:spTree>
+    <p:extLst>
+      <p:ext uri="{BB962C8B-B14F-4D97-AF65-F5344CB8AC3E}">
+        <p14:creationId xmlns:p14="http://schemas.microsoft.com/office/powerpoint/2010/main" val="1610038857"/>
+      </p:ext>
+    </p:extLst>
+  </p:cSld>
+  <p:clrMapOvr>
+    <a:masterClrMapping/>
+  </p:clrMapOvr>
+</p:sld>
+</file>
+
+<file path=ppt/slides/slide16.xml><?xml version="1.0" encoding="utf-8"?>
+<p:sld xmlns:a="http://schemas.openxmlformats.org/drawingml/2006/main" xmlns:r="http://schemas.openxmlformats.org/officeDocument/2006/relationships" xmlns:p="http://schemas.openxmlformats.org/presentationml/2006/main">
+  <p:cSld>
+    <p:spTree>
+      <p:nvGrpSpPr>
+        <p:cNvPr id="1" name=""/>
+        <p:cNvGrpSpPr/>
+        <p:nvPr/>
+      </p:nvGrpSpPr>
+      <p:grpSpPr>
+        <a:xfrm>
+          <a:off x="0" y="0"/>
+          <a:ext cx="0" cy="0"/>
+          <a:chOff x="0" y="0"/>
+          <a:chExt cx="0" cy="0"/>
+        </a:xfrm>
+      </p:grpSpPr>
+      <p:pic>
+        <p:nvPicPr>
+          <p:cNvPr id="3" name="図 2">
+            <a:extLst>
+              <a:ext uri="{FF2B5EF4-FFF2-40B4-BE49-F238E27FC236}">
+                <a16:creationId xmlns:a16="http://schemas.microsoft.com/office/drawing/2014/main" id="{5D2D0EC6-7CAF-A2B0-CA5A-452310201EC9}"/>
+              </a:ext>
+            </a:extLst>
+          </p:cNvPr>
+          <p:cNvPicPr>
+            <a:picLocks noChangeAspect="1"/>
+          </p:cNvPicPr>
+          <p:nvPr/>
+        </p:nvPicPr>
+        <p:blipFill>
+          <a:blip r:embed="rId2"/>
+          <a:stretch>
+            <a:fillRect/>
+          </a:stretch>
+        </p:blipFill>
+        <p:spPr>
+          <a:xfrm>
+            <a:off x="451650" y="228153"/>
+            <a:ext cx="11288700" cy="6401693"/>
+          </a:xfrm>
+          <a:prstGeom prst="rect">
+            <a:avLst/>
+          </a:prstGeom>
+        </p:spPr>
+      </p:pic>
+      <p:sp>
+        <p:nvSpPr>
+          <p:cNvPr id="4" name="正方形/長方形 3">
+            <a:extLst>
+              <a:ext uri="{FF2B5EF4-FFF2-40B4-BE49-F238E27FC236}">
+                <a16:creationId xmlns:a16="http://schemas.microsoft.com/office/drawing/2014/main" id="{B72F4149-76C0-D0CD-B952-0AC6D7B7DA4E}"/>
+              </a:ext>
+            </a:extLst>
+          </p:cNvPr>
+          <p:cNvSpPr/>
+          <p:nvPr/>
+        </p:nvSpPr>
+        <p:spPr>
+          <a:xfrm>
+            <a:off x="2295444" y="5753845"/>
+            <a:ext cx="5163191" cy="339615"/>
+          </a:xfrm>
+          <a:prstGeom prst="rect">
+            <a:avLst/>
+          </a:prstGeom>
+          <a:noFill/>
+          <a:ln w="38100" cap="flat" cmpd="sng" algn="ctr">
+            <a:solidFill>
+              <a:srgbClr val="FF0000"/>
+            </a:solidFill>
+            <a:prstDash val="solid"/>
+            <a:round/>
+            <a:headEnd type="none" w="med" len="med"/>
+            <a:tailEnd type="none" w="med" len="med"/>
+          </a:ln>
+        </p:spPr>
+        <p:style>
+          <a:lnRef idx="0">
+            <a:scrgbClr r="0" g="0" b="0"/>
+          </a:lnRef>
+          <a:fillRef idx="0">
+            <a:scrgbClr r="0" g="0" b="0"/>
+          </a:fillRef>
+          <a:effectRef idx="0">
+            <a:scrgbClr r="0" g="0" b="0"/>
+          </a:effectRef>
+          <a:fontRef idx="minor">
+            <a:schemeClr val="dk1"/>
+          </a:fontRef>
+        </p:style>
+        <p:txBody>
+          <a:bodyPr rtlCol="0" anchor="ctr"/>
+          <a:lstStyle/>
+          <a:p>
+            <a:pPr algn="ctr"/>
+            <a:endParaRPr kumimoji="1" lang="ja-JP" altLang="en-US"/>
+          </a:p>
+        </p:txBody>
+      </p:sp>
+      <p:sp>
+        <p:nvSpPr>
+          <p:cNvPr id="5" name="正方形/長方形 4">
+            <a:extLst>
+              <a:ext uri="{FF2B5EF4-FFF2-40B4-BE49-F238E27FC236}">
+                <a16:creationId xmlns:a16="http://schemas.microsoft.com/office/drawing/2014/main" id="{C26F7124-7C91-5D6F-E60F-622A84F33D8A}"/>
+              </a:ext>
+            </a:extLst>
+          </p:cNvPr>
+          <p:cNvSpPr/>
+          <p:nvPr/>
+        </p:nvSpPr>
+        <p:spPr>
+          <a:xfrm>
+            <a:off x="9314328" y="6172872"/>
+            <a:ext cx="1147483" cy="380327"/>
+          </a:xfrm>
+          <a:prstGeom prst="rect">
+            <a:avLst/>
+          </a:prstGeom>
+          <a:noFill/>
+          <a:ln w="38100" cap="flat" cmpd="sng" algn="ctr">
+            <a:solidFill>
+              <a:srgbClr val="FF0000"/>
+            </a:solidFill>
+            <a:prstDash val="solid"/>
+            <a:round/>
+            <a:headEnd type="none" w="med" len="med"/>
+            <a:tailEnd type="none" w="med" len="med"/>
+          </a:ln>
+        </p:spPr>
+        <p:style>
+          <a:lnRef idx="0">
+            <a:scrgbClr r="0" g="0" b="0"/>
+          </a:lnRef>
+          <a:fillRef idx="0">
+            <a:scrgbClr r="0" g="0" b="0"/>
+          </a:fillRef>
+          <a:effectRef idx="0">
+            <a:scrgbClr r="0" g="0" b="0"/>
+          </a:effectRef>
+          <a:fontRef idx="minor">
+            <a:schemeClr val="dk1"/>
+          </a:fontRef>
+        </p:style>
+        <p:txBody>
+          <a:bodyPr rtlCol="0" anchor="ctr"/>
+          <a:lstStyle/>
+          <a:p>
+            <a:pPr algn="ctr"/>
+            <a:endParaRPr kumimoji="1" lang="ja-JP" altLang="en-US"/>
+          </a:p>
+        </p:txBody>
+      </p:sp>
+      <p:cxnSp>
+        <p:nvCxnSpPr>
+          <p:cNvPr id="6" name="直線矢印コネクタ 5">
+            <a:extLst>
+              <a:ext uri="{FF2B5EF4-FFF2-40B4-BE49-F238E27FC236}">
+                <a16:creationId xmlns:a16="http://schemas.microsoft.com/office/drawing/2014/main" id="{E1DF3D17-1DB5-3668-874A-0CE9E0380AEE}"/>
+              </a:ext>
+            </a:extLst>
+          </p:cNvPr>
+          <p:cNvCxnSpPr>
+            <a:cxnSpLocks/>
+          </p:cNvCxnSpPr>
+          <p:nvPr/>
+        </p:nvCxnSpPr>
+        <p:spPr>
+          <a:xfrm>
+            <a:off x="7458635" y="5934635"/>
+            <a:ext cx="1846526" cy="448236"/>
+          </a:xfrm>
+          <a:prstGeom prst="straightConnector1">
+            <a:avLst/>
+          </a:prstGeom>
+          <a:ln w="38100">
+            <a:solidFill>
+              <a:srgbClr val="FF0000"/>
+            </a:solidFill>
+            <a:tailEnd type="triangle"/>
+          </a:ln>
+        </p:spPr>
+        <p:style>
+          <a:lnRef idx="2">
+            <a:schemeClr val="accent1"/>
+          </a:lnRef>
+          <a:fillRef idx="0">
+            <a:schemeClr val="accent1"/>
+          </a:fillRef>
+          <a:effectRef idx="1">
+            <a:schemeClr val="accent1"/>
+          </a:effectRef>
+          <a:fontRef idx="minor">
+            <a:schemeClr val="tx1"/>
+          </a:fontRef>
+        </p:style>
+      </p:cxnSp>
+    </p:spTree>
+    <p:extLst>
+      <p:ext uri="{BB962C8B-B14F-4D97-AF65-F5344CB8AC3E}">
+        <p14:creationId xmlns:p14="http://schemas.microsoft.com/office/powerpoint/2010/main" val="2575844001"/>
+      </p:ext>
+    </p:extLst>
+  </p:cSld>
+  <p:clrMapOvr>
+    <a:masterClrMapping/>
+  </p:clrMapOvr>
+</p:sld>
+</file>
+
+<file path=ppt/slides/slide17.xml><?xml version="1.0" encoding="utf-8"?>
+<p:sld xmlns:a="http://schemas.openxmlformats.org/drawingml/2006/main" xmlns:r="http://schemas.openxmlformats.org/officeDocument/2006/relationships" xmlns:p="http://schemas.openxmlformats.org/presentationml/2006/main">
+  <p:cSld>
+    <p:spTree>
+      <p:nvGrpSpPr>
+        <p:cNvPr id="1" name=""/>
+        <p:cNvGrpSpPr/>
+        <p:nvPr/>
+      </p:nvGrpSpPr>
+      <p:grpSpPr>
+        <a:xfrm>
+          <a:off x="0" y="0"/>
+          <a:ext cx="0" cy="0"/>
+          <a:chOff x="0" y="0"/>
+          <a:chExt cx="0" cy="0"/>
+        </a:xfrm>
+      </p:grpSpPr>
+      <p:pic>
+        <p:nvPicPr>
+          <p:cNvPr id="3" name="図 2">
+            <a:extLst>
+              <a:ext uri="{FF2B5EF4-FFF2-40B4-BE49-F238E27FC236}">
+                <a16:creationId xmlns:a16="http://schemas.microsoft.com/office/drawing/2014/main" id="{DFBB81BC-78E3-3EA9-700B-5509F86E8152}"/>
+              </a:ext>
+            </a:extLst>
+          </p:cNvPr>
+          <p:cNvPicPr>
+            <a:picLocks noChangeAspect="1"/>
+          </p:cNvPicPr>
+          <p:nvPr/>
+        </p:nvPicPr>
+        <p:blipFill>
+          <a:blip r:embed="rId2"/>
+          <a:stretch>
+            <a:fillRect/>
+          </a:stretch>
+        </p:blipFill>
+        <p:spPr>
+          <a:xfrm>
+            <a:off x="865909" y="0"/>
+            <a:ext cx="10460182" cy="6858000"/>
+          </a:xfrm>
+          <a:prstGeom prst="rect">
+            <a:avLst/>
+          </a:prstGeom>
+        </p:spPr>
+      </p:pic>
+      <p:sp>
+        <p:nvSpPr>
+          <p:cNvPr id="4" name="正方形/長方形 3">
+            <a:extLst>
+              <a:ext uri="{FF2B5EF4-FFF2-40B4-BE49-F238E27FC236}">
+                <a16:creationId xmlns:a16="http://schemas.microsoft.com/office/drawing/2014/main" id="{99FF2E09-AAFE-4541-C8E1-2EFFBACD33A3}"/>
+              </a:ext>
+            </a:extLst>
+          </p:cNvPr>
+          <p:cNvSpPr/>
+          <p:nvPr/>
+        </p:nvSpPr>
+        <p:spPr>
+          <a:xfrm>
+            <a:off x="1040385" y="1414927"/>
+            <a:ext cx="5055615" cy="404908"/>
+          </a:xfrm>
+          <a:prstGeom prst="rect">
+            <a:avLst/>
+          </a:prstGeom>
+          <a:noFill/>
+          <a:ln w="38100" cap="flat" cmpd="sng" algn="ctr">
+            <a:solidFill>
+              <a:srgbClr val="FF0000"/>
+            </a:solidFill>
+            <a:prstDash val="solid"/>
+            <a:round/>
+            <a:headEnd type="none" w="med" len="med"/>
+            <a:tailEnd type="none" w="med" len="med"/>
+          </a:ln>
+        </p:spPr>
+        <p:style>
+          <a:lnRef idx="0">
+            <a:scrgbClr r="0" g="0" b="0"/>
+          </a:lnRef>
+          <a:fillRef idx="0">
+            <a:scrgbClr r="0" g="0" b="0"/>
+          </a:fillRef>
+          <a:effectRef idx="0">
+            <a:scrgbClr r="0" g="0" b="0"/>
+          </a:effectRef>
+          <a:fontRef idx="minor">
+            <a:schemeClr val="dk1"/>
+          </a:fontRef>
+        </p:style>
+        <p:txBody>
+          <a:bodyPr rtlCol="0" anchor="ctr"/>
+          <a:lstStyle/>
+          <a:p>
+            <a:pPr algn="ctr"/>
+            <a:endParaRPr kumimoji="1" lang="ja-JP" altLang="en-US"/>
+          </a:p>
+        </p:txBody>
+      </p:sp>
+      <p:sp>
+        <p:nvSpPr>
+          <p:cNvPr id="5" name="正方形/長方形 4">
+            <a:extLst>
+              <a:ext uri="{FF2B5EF4-FFF2-40B4-BE49-F238E27FC236}">
+                <a16:creationId xmlns:a16="http://schemas.microsoft.com/office/drawing/2014/main" id="{90CDE1C8-9F5E-8CF2-B24F-994611A824E8}"/>
+              </a:ext>
+            </a:extLst>
+          </p:cNvPr>
+          <p:cNvSpPr/>
+          <p:nvPr/>
+        </p:nvSpPr>
+        <p:spPr>
+          <a:xfrm>
+            <a:off x="8695765" y="6275294"/>
+            <a:ext cx="1219199" cy="358588"/>
+          </a:xfrm>
+          <a:prstGeom prst="rect">
+            <a:avLst/>
+          </a:prstGeom>
+          <a:noFill/>
+          <a:ln w="38100" cap="flat" cmpd="sng" algn="ctr">
+            <a:solidFill>
+              <a:srgbClr val="FF0000"/>
+            </a:solidFill>
+            <a:prstDash val="solid"/>
+            <a:round/>
+            <a:headEnd type="none" w="med" len="med"/>
+            <a:tailEnd type="none" w="med" len="med"/>
+          </a:ln>
+        </p:spPr>
+        <p:style>
+          <a:lnRef idx="0">
+            <a:scrgbClr r="0" g="0" b="0"/>
+          </a:lnRef>
+          <a:fillRef idx="0">
+            <a:scrgbClr r="0" g="0" b="0"/>
+          </a:fillRef>
+          <a:effectRef idx="0">
+            <a:scrgbClr r="0" g="0" b="0"/>
+          </a:effectRef>
+          <a:fontRef idx="minor">
+            <a:schemeClr val="dk1"/>
+          </a:fontRef>
+        </p:style>
+        <p:txBody>
+          <a:bodyPr rtlCol="0" anchor="ctr"/>
+          <a:lstStyle/>
+          <a:p>
+            <a:pPr algn="ctr"/>
+            <a:endParaRPr kumimoji="1" lang="ja-JP" altLang="en-US"/>
+          </a:p>
+        </p:txBody>
+      </p:sp>
+      <p:cxnSp>
+        <p:nvCxnSpPr>
+          <p:cNvPr id="6" name="直線矢印コネクタ 5">
+            <a:extLst>
+              <a:ext uri="{FF2B5EF4-FFF2-40B4-BE49-F238E27FC236}">
+                <a16:creationId xmlns:a16="http://schemas.microsoft.com/office/drawing/2014/main" id="{8DED2FB6-8684-87D0-8784-353E3B884A41}"/>
+              </a:ext>
+            </a:extLst>
+          </p:cNvPr>
+          <p:cNvCxnSpPr>
+            <a:cxnSpLocks/>
+          </p:cNvCxnSpPr>
+          <p:nvPr/>
+        </p:nvCxnSpPr>
+        <p:spPr>
+          <a:xfrm>
+            <a:off x="5549153" y="1927412"/>
+            <a:ext cx="3343835" cy="4240306"/>
+          </a:xfrm>
+          <a:prstGeom prst="straightConnector1">
+            <a:avLst/>
+          </a:prstGeom>
+          <a:ln w="38100">
+            <a:solidFill>
+              <a:srgbClr val="FF0000"/>
+            </a:solidFill>
+            <a:tailEnd type="triangle"/>
+          </a:ln>
+        </p:spPr>
+        <p:style>
+          <a:lnRef idx="2">
+            <a:schemeClr val="accent1"/>
+          </a:lnRef>
+          <a:fillRef idx="0">
+            <a:schemeClr val="accent1"/>
+          </a:fillRef>
+          <a:effectRef idx="1">
+            <a:schemeClr val="accent1"/>
+          </a:effectRef>
+          <a:fontRef idx="minor">
+            <a:schemeClr val="tx1"/>
+          </a:fontRef>
+        </p:style>
+      </p:cxnSp>
+    </p:spTree>
+    <p:extLst>
+      <p:ext uri="{BB962C8B-B14F-4D97-AF65-F5344CB8AC3E}">
+        <p14:creationId xmlns:p14="http://schemas.microsoft.com/office/powerpoint/2010/main" val="3523810032"/>
+      </p:ext>
+    </p:extLst>
+  </p:cSld>
+  <p:clrMapOvr>
+    <a:masterClrMapping/>
+  </p:clrMapOvr>
+</p:sld>
+</file>
+
+<file path=ppt/slides/slide18.xml><?xml version="1.0" encoding="utf-8"?>
+<p:sld xmlns:a="http://schemas.openxmlformats.org/drawingml/2006/main" xmlns:r="http://schemas.openxmlformats.org/officeDocument/2006/relationships" xmlns:p="http://schemas.openxmlformats.org/presentationml/2006/main">
+  <p:cSld>
+    <p:spTree>
+      <p:nvGrpSpPr>
+        <p:cNvPr id="1" name=""/>
+        <p:cNvGrpSpPr/>
+        <p:nvPr/>
+      </p:nvGrpSpPr>
+      <p:grpSpPr>
+        <a:xfrm>
+          <a:off x="0" y="0"/>
+          <a:ext cx="0" cy="0"/>
+          <a:chOff x="0" y="0"/>
+          <a:chExt cx="0" cy="0"/>
+        </a:xfrm>
+      </p:grpSpPr>
+      <p:pic>
+        <p:nvPicPr>
+          <p:cNvPr id="3" name="図 2">
+            <a:extLst>
+              <a:ext uri="{FF2B5EF4-FFF2-40B4-BE49-F238E27FC236}">
+                <a16:creationId xmlns:a16="http://schemas.microsoft.com/office/drawing/2014/main" id="{14A074FD-14CA-7BFA-1A80-D105FB35C9DD}"/>
+              </a:ext>
+            </a:extLst>
+          </p:cNvPr>
+          <p:cNvPicPr>
+            <a:picLocks noChangeAspect="1"/>
+          </p:cNvPicPr>
+          <p:nvPr/>
+        </p:nvPicPr>
+        <p:blipFill>
+          <a:blip r:embed="rId2"/>
+          <a:stretch>
+            <a:fillRect/>
+          </a:stretch>
+        </p:blipFill>
+        <p:spPr>
+          <a:xfrm>
+            <a:off x="0" y="151656"/>
+            <a:ext cx="12192000" cy="6554688"/>
+          </a:xfrm>
+          <a:prstGeom prst="rect">
+            <a:avLst/>
+          </a:prstGeom>
+        </p:spPr>
+      </p:pic>
+      <p:sp>
+        <p:nvSpPr>
+          <p:cNvPr id="4" name="正方形/長方形 3">
+            <a:extLst>
+              <a:ext uri="{FF2B5EF4-FFF2-40B4-BE49-F238E27FC236}">
+                <a16:creationId xmlns:a16="http://schemas.microsoft.com/office/drawing/2014/main" id="{8C1156F8-0D69-885F-FC40-F7011250A443}"/>
+              </a:ext>
+            </a:extLst>
+          </p:cNvPr>
+          <p:cNvSpPr/>
+          <p:nvPr/>
+        </p:nvSpPr>
+        <p:spPr>
+          <a:xfrm>
+            <a:off x="780409" y="3154079"/>
+            <a:ext cx="7861567" cy="772461"/>
+          </a:xfrm>
+          <a:prstGeom prst="rect">
+            <a:avLst/>
+          </a:prstGeom>
+          <a:noFill/>
+          <a:ln w="38100" cap="flat" cmpd="sng" algn="ctr">
+            <a:solidFill>
+              <a:srgbClr val="FF0000"/>
+            </a:solidFill>
+            <a:prstDash val="solid"/>
+            <a:round/>
+            <a:headEnd type="none" w="med" len="med"/>
+            <a:tailEnd type="none" w="med" len="med"/>
+          </a:ln>
+        </p:spPr>
+        <p:style>
+          <a:lnRef idx="0">
+            <a:scrgbClr r="0" g="0" b="0"/>
+          </a:lnRef>
+          <a:fillRef idx="0">
+            <a:scrgbClr r="0" g="0" b="0"/>
+          </a:fillRef>
+          <a:effectRef idx="0">
+            <a:scrgbClr r="0" g="0" b="0"/>
+          </a:effectRef>
+          <a:fontRef idx="minor">
+            <a:schemeClr val="dk1"/>
+          </a:fontRef>
+        </p:style>
+        <p:txBody>
+          <a:bodyPr rtlCol="0" anchor="ctr"/>
+          <a:lstStyle/>
+          <a:p>
+            <a:pPr algn="ctr"/>
+            <a:endParaRPr kumimoji="1" lang="ja-JP" altLang="en-US"/>
+          </a:p>
+        </p:txBody>
+      </p:sp>
+    </p:spTree>
+    <p:extLst>
+      <p:ext uri="{BB962C8B-B14F-4D97-AF65-F5344CB8AC3E}">
+        <p14:creationId xmlns:p14="http://schemas.microsoft.com/office/powerpoint/2010/main" val="3798685796"/>
       </p:ext>
     </p:extLst>
   </p:cSld>

--- a/images/ImageSource.pptx
+++ b/images/ImageSource.pptx
@@ -23,6 +23,13 @@
     <p:sldId id="271" r:id="rId17"/>
     <p:sldId id="272" r:id="rId18"/>
     <p:sldId id="273" r:id="rId19"/>
+    <p:sldId id="274" r:id="rId20"/>
+    <p:sldId id="275" r:id="rId21"/>
+    <p:sldId id="276" r:id="rId22"/>
+    <p:sldId id="277" r:id="rId23"/>
+    <p:sldId id="278" r:id="rId24"/>
+    <p:sldId id="279" r:id="rId25"/>
+    <p:sldId id="280" r:id="rId26"/>
   </p:sldIdLst>
   <p:sldSz cx="12192000" cy="6858000"/>
   <p:notesSz cx="6858000" cy="9144000"/>
@@ -6967,6 +6974,248 @@
 </p:sld>
 </file>
 
+<file path=ppt/slides/slide19.xml><?xml version="1.0" encoding="utf-8"?>
+<p:sld xmlns:a="http://schemas.openxmlformats.org/drawingml/2006/main" xmlns:r="http://schemas.openxmlformats.org/officeDocument/2006/relationships" xmlns:p="http://schemas.openxmlformats.org/presentationml/2006/main">
+  <p:cSld>
+    <p:spTree>
+      <p:nvGrpSpPr>
+        <p:cNvPr id="1" name=""/>
+        <p:cNvGrpSpPr/>
+        <p:nvPr/>
+      </p:nvGrpSpPr>
+      <p:grpSpPr>
+        <a:xfrm>
+          <a:off x="0" y="0"/>
+          <a:ext cx="0" cy="0"/>
+          <a:chOff x="0" y="0"/>
+          <a:chExt cx="0" cy="0"/>
+        </a:xfrm>
+      </p:grpSpPr>
+      <p:pic>
+        <p:nvPicPr>
+          <p:cNvPr id="3" name="図 2">
+            <a:extLst>
+              <a:ext uri="{FF2B5EF4-FFF2-40B4-BE49-F238E27FC236}">
+                <a16:creationId xmlns:a16="http://schemas.microsoft.com/office/drawing/2014/main" id="{D4E5AFEE-B9F7-2445-0B82-6E10433EB3E0}"/>
+              </a:ext>
+            </a:extLst>
+          </p:cNvPr>
+          <p:cNvPicPr>
+            <a:picLocks noChangeAspect="1"/>
+          </p:cNvPicPr>
+          <p:nvPr/>
+        </p:nvPicPr>
+        <p:blipFill>
+          <a:blip r:embed="rId2"/>
+          <a:stretch>
+            <a:fillRect/>
+          </a:stretch>
+        </p:blipFill>
+        <p:spPr>
+          <a:xfrm>
+            <a:off x="428653" y="178741"/>
+            <a:ext cx="6285787" cy="4075611"/>
+          </a:xfrm>
+          <a:prstGeom prst="rect">
+            <a:avLst/>
+          </a:prstGeom>
+        </p:spPr>
+      </p:pic>
+      <p:sp>
+        <p:nvSpPr>
+          <p:cNvPr id="4" name="正方形/長方形 3">
+            <a:extLst>
+              <a:ext uri="{FF2B5EF4-FFF2-40B4-BE49-F238E27FC236}">
+                <a16:creationId xmlns:a16="http://schemas.microsoft.com/office/drawing/2014/main" id="{577ED2D0-A7EC-2040-B120-815C57680FDF}"/>
+              </a:ext>
+            </a:extLst>
+          </p:cNvPr>
+          <p:cNvSpPr/>
+          <p:nvPr/>
+        </p:nvSpPr>
+        <p:spPr>
+          <a:xfrm>
+            <a:off x="2281358" y="3180805"/>
+            <a:ext cx="2120825" cy="306977"/>
+          </a:xfrm>
+          <a:prstGeom prst="rect">
+            <a:avLst/>
+          </a:prstGeom>
+          <a:noFill/>
+          <a:ln w="38100" cap="flat" cmpd="sng" algn="ctr">
+            <a:solidFill>
+              <a:srgbClr val="FF0000"/>
+            </a:solidFill>
+            <a:prstDash val="solid"/>
+            <a:round/>
+            <a:headEnd type="none" w="med" len="med"/>
+            <a:tailEnd type="none" w="med" len="med"/>
+          </a:ln>
+        </p:spPr>
+        <p:style>
+          <a:lnRef idx="0">
+            <a:scrgbClr r="0" g="0" b="0"/>
+          </a:lnRef>
+          <a:fillRef idx="0">
+            <a:scrgbClr r="0" g="0" b="0"/>
+          </a:fillRef>
+          <a:effectRef idx="0">
+            <a:scrgbClr r="0" g="0" b="0"/>
+          </a:effectRef>
+          <a:fontRef idx="minor">
+            <a:schemeClr val="dk1"/>
+          </a:fontRef>
+        </p:style>
+        <p:txBody>
+          <a:bodyPr rtlCol="0" anchor="ctr"/>
+          <a:lstStyle/>
+          <a:p>
+            <a:pPr algn="ctr"/>
+            <a:endParaRPr kumimoji="1" lang="ja-JP" altLang="en-US"/>
+          </a:p>
+        </p:txBody>
+      </p:sp>
+      <p:pic>
+        <p:nvPicPr>
+          <p:cNvPr id="8" name="図 7">
+            <a:extLst>
+              <a:ext uri="{FF2B5EF4-FFF2-40B4-BE49-F238E27FC236}">
+                <a16:creationId xmlns:a16="http://schemas.microsoft.com/office/drawing/2014/main" id="{116A7C75-0D7A-1407-8B26-C6B226C44A87}"/>
+              </a:ext>
+            </a:extLst>
+          </p:cNvPr>
+          <p:cNvPicPr>
+            <a:picLocks noChangeAspect="1"/>
+          </p:cNvPicPr>
+          <p:nvPr/>
+        </p:nvPicPr>
+        <p:blipFill>
+          <a:blip r:embed="rId3"/>
+          <a:stretch>
+            <a:fillRect/>
+          </a:stretch>
+        </p:blipFill>
+        <p:spPr>
+          <a:xfrm>
+            <a:off x="5003074" y="2355913"/>
+            <a:ext cx="6547789" cy="4280018"/>
+          </a:xfrm>
+          <a:prstGeom prst="rect">
+            <a:avLst/>
+          </a:prstGeom>
+        </p:spPr>
+      </p:pic>
+      <p:sp>
+        <p:nvSpPr>
+          <p:cNvPr id="9" name="正方形/長方形 8">
+            <a:extLst>
+              <a:ext uri="{FF2B5EF4-FFF2-40B4-BE49-F238E27FC236}">
+                <a16:creationId xmlns:a16="http://schemas.microsoft.com/office/drawing/2014/main" id="{30614CB7-B52B-B53B-CA6E-ECC907B66665}"/>
+              </a:ext>
+            </a:extLst>
+          </p:cNvPr>
+          <p:cNvSpPr/>
+          <p:nvPr/>
+        </p:nvSpPr>
+        <p:spPr>
+          <a:xfrm>
+            <a:off x="6945343" y="4969007"/>
+            <a:ext cx="4105834" cy="1144410"/>
+          </a:xfrm>
+          <a:prstGeom prst="rect">
+            <a:avLst/>
+          </a:prstGeom>
+          <a:noFill/>
+          <a:ln w="38100" cap="flat" cmpd="sng" algn="ctr">
+            <a:solidFill>
+              <a:srgbClr val="FF0000"/>
+            </a:solidFill>
+            <a:prstDash val="solid"/>
+            <a:round/>
+            <a:headEnd type="none" w="med" len="med"/>
+            <a:tailEnd type="none" w="med" len="med"/>
+          </a:ln>
+        </p:spPr>
+        <p:style>
+          <a:lnRef idx="0">
+            <a:scrgbClr r="0" g="0" b="0"/>
+          </a:lnRef>
+          <a:fillRef idx="0">
+            <a:scrgbClr r="0" g="0" b="0"/>
+          </a:fillRef>
+          <a:effectRef idx="0">
+            <a:scrgbClr r="0" g="0" b="0"/>
+          </a:effectRef>
+          <a:fontRef idx="minor">
+            <a:schemeClr val="dk1"/>
+          </a:fontRef>
+        </p:style>
+        <p:txBody>
+          <a:bodyPr rtlCol="0" anchor="ctr"/>
+          <a:lstStyle/>
+          <a:p>
+            <a:pPr algn="ctr"/>
+            <a:endParaRPr kumimoji="1" lang="ja-JP" altLang="en-US"/>
+          </a:p>
+        </p:txBody>
+      </p:sp>
+      <p:cxnSp>
+        <p:nvCxnSpPr>
+          <p:cNvPr id="10" name="直線矢印コネクタ 9">
+            <a:extLst>
+              <a:ext uri="{FF2B5EF4-FFF2-40B4-BE49-F238E27FC236}">
+                <a16:creationId xmlns:a16="http://schemas.microsoft.com/office/drawing/2014/main" id="{5CC4FC68-1335-DCE5-7468-4EA40EF62DA6}"/>
+              </a:ext>
+            </a:extLst>
+          </p:cNvPr>
+          <p:cNvCxnSpPr>
+            <a:cxnSpLocks/>
+          </p:cNvCxnSpPr>
+          <p:nvPr/>
+        </p:nvCxnSpPr>
+        <p:spPr>
+          <a:xfrm>
+            <a:off x="4402183" y="3605348"/>
+            <a:ext cx="2312257" cy="1632857"/>
+          </a:xfrm>
+          <a:prstGeom prst="straightConnector1">
+            <a:avLst/>
+          </a:prstGeom>
+          <a:ln w="38100">
+            <a:solidFill>
+              <a:srgbClr val="FF0000"/>
+            </a:solidFill>
+            <a:tailEnd type="triangle"/>
+          </a:ln>
+        </p:spPr>
+        <p:style>
+          <a:lnRef idx="2">
+            <a:schemeClr val="accent1"/>
+          </a:lnRef>
+          <a:fillRef idx="0">
+            <a:schemeClr val="accent1"/>
+          </a:fillRef>
+          <a:effectRef idx="1">
+            <a:schemeClr val="accent1"/>
+          </a:effectRef>
+          <a:fontRef idx="minor">
+            <a:schemeClr val="tx1"/>
+          </a:fontRef>
+        </p:style>
+      </p:cxnSp>
+    </p:spTree>
+    <p:extLst>
+      <p:ext uri="{BB962C8B-B14F-4D97-AF65-F5344CB8AC3E}">
+        <p14:creationId xmlns:p14="http://schemas.microsoft.com/office/powerpoint/2010/main" val="417296674"/>
+      </p:ext>
+    </p:extLst>
+  </p:cSld>
+  <p:clrMapOvr>
+    <a:masterClrMapping/>
+  </p:clrMapOvr>
+</p:sld>
+</file>
+
 <file path=ppt/slides/slide2.xml><?xml version="1.0" encoding="utf-8"?>
 <p:sld xmlns:a="http://schemas.openxmlformats.org/drawingml/2006/main" xmlns:r="http://schemas.openxmlformats.org/officeDocument/2006/relationships" xmlns:p="http://schemas.openxmlformats.org/presentationml/2006/main">
   <p:cSld>
@@ -7072,6 +7321,1082 @@
     <p:extLst>
       <p:ext uri="{BB962C8B-B14F-4D97-AF65-F5344CB8AC3E}">
         <p14:creationId xmlns:p14="http://schemas.microsoft.com/office/powerpoint/2010/main" val="1038005609"/>
+      </p:ext>
+    </p:extLst>
+  </p:cSld>
+  <p:clrMapOvr>
+    <a:masterClrMapping/>
+  </p:clrMapOvr>
+</p:sld>
+</file>
+
+<file path=ppt/slides/slide20.xml><?xml version="1.0" encoding="utf-8"?>
+<p:sld xmlns:a="http://schemas.openxmlformats.org/drawingml/2006/main" xmlns:r="http://schemas.openxmlformats.org/officeDocument/2006/relationships" xmlns:p="http://schemas.openxmlformats.org/presentationml/2006/main">
+  <p:cSld>
+    <p:spTree>
+      <p:nvGrpSpPr>
+        <p:cNvPr id="1" name=""/>
+        <p:cNvGrpSpPr/>
+        <p:nvPr/>
+      </p:nvGrpSpPr>
+      <p:grpSpPr>
+        <a:xfrm>
+          <a:off x="0" y="0"/>
+          <a:ext cx="0" cy="0"/>
+          <a:chOff x="0" y="0"/>
+          <a:chExt cx="0" cy="0"/>
+        </a:xfrm>
+      </p:grpSpPr>
+      <p:pic>
+        <p:nvPicPr>
+          <p:cNvPr id="2" name="図 1">
+            <a:extLst>
+              <a:ext uri="{FF2B5EF4-FFF2-40B4-BE49-F238E27FC236}">
+                <a16:creationId xmlns:a16="http://schemas.microsoft.com/office/drawing/2014/main" id="{1B29EE5A-17B9-AFAC-C16C-14C9090C736A}"/>
+              </a:ext>
+            </a:extLst>
+          </p:cNvPr>
+          <p:cNvPicPr>
+            <a:picLocks noChangeAspect="1"/>
+          </p:cNvPicPr>
+          <p:nvPr/>
+        </p:nvPicPr>
+        <p:blipFill>
+          <a:blip r:embed="rId2"/>
+          <a:stretch>
+            <a:fillRect/>
+          </a:stretch>
+        </p:blipFill>
+        <p:spPr>
+          <a:xfrm>
+            <a:off x="964230" y="175826"/>
+            <a:ext cx="10034696" cy="6506348"/>
+          </a:xfrm>
+          <a:prstGeom prst="rect">
+            <a:avLst/>
+          </a:prstGeom>
+        </p:spPr>
+      </p:pic>
+      <p:sp>
+        <p:nvSpPr>
+          <p:cNvPr id="3" name="正方形/長方形 2">
+            <a:extLst>
+              <a:ext uri="{FF2B5EF4-FFF2-40B4-BE49-F238E27FC236}">
+                <a16:creationId xmlns:a16="http://schemas.microsoft.com/office/drawing/2014/main" id="{14CE5C15-1D33-0478-2D2D-AD4B06C7F34C}"/>
+              </a:ext>
+            </a:extLst>
+          </p:cNvPr>
+          <p:cNvSpPr/>
+          <p:nvPr/>
+        </p:nvSpPr>
+        <p:spPr>
+          <a:xfrm>
+            <a:off x="4084032" y="4735285"/>
+            <a:ext cx="2708654" cy="293915"/>
+          </a:xfrm>
+          <a:prstGeom prst="rect">
+            <a:avLst/>
+          </a:prstGeom>
+          <a:noFill/>
+          <a:ln w="38100" cap="flat" cmpd="sng" algn="ctr">
+            <a:solidFill>
+              <a:srgbClr val="FF0000"/>
+            </a:solidFill>
+            <a:prstDash val="solid"/>
+            <a:round/>
+            <a:headEnd type="none" w="med" len="med"/>
+            <a:tailEnd type="none" w="med" len="med"/>
+          </a:ln>
+        </p:spPr>
+        <p:style>
+          <a:lnRef idx="0">
+            <a:scrgbClr r="0" g="0" b="0"/>
+          </a:lnRef>
+          <a:fillRef idx="0">
+            <a:scrgbClr r="0" g="0" b="0"/>
+          </a:fillRef>
+          <a:effectRef idx="0">
+            <a:scrgbClr r="0" g="0" b="0"/>
+          </a:effectRef>
+          <a:fontRef idx="minor">
+            <a:schemeClr val="dk1"/>
+          </a:fontRef>
+        </p:style>
+        <p:txBody>
+          <a:bodyPr rtlCol="0" anchor="ctr"/>
+          <a:lstStyle/>
+          <a:p>
+            <a:pPr algn="ctr"/>
+            <a:endParaRPr kumimoji="1" lang="ja-JP" altLang="en-US"/>
+          </a:p>
+        </p:txBody>
+      </p:sp>
+    </p:spTree>
+    <p:extLst>
+      <p:ext uri="{BB962C8B-B14F-4D97-AF65-F5344CB8AC3E}">
+        <p14:creationId xmlns:p14="http://schemas.microsoft.com/office/powerpoint/2010/main" val="1762301136"/>
+      </p:ext>
+    </p:extLst>
+  </p:cSld>
+  <p:clrMapOvr>
+    <a:masterClrMapping/>
+  </p:clrMapOvr>
+</p:sld>
+</file>
+
+<file path=ppt/slides/slide21.xml><?xml version="1.0" encoding="utf-8"?>
+<p:sld xmlns:a="http://schemas.openxmlformats.org/drawingml/2006/main" xmlns:r="http://schemas.openxmlformats.org/officeDocument/2006/relationships" xmlns:p="http://schemas.openxmlformats.org/presentationml/2006/main">
+  <p:cSld>
+    <p:spTree>
+      <p:nvGrpSpPr>
+        <p:cNvPr id="1" name=""/>
+        <p:cNvGrpSpPr/>
+        <p:nvPr/>
+      </p:nvGrpSpPr>
+      <p:grpSpPr>
+        <a:xfrm>
+          <a:off x="0" y="0"/>
+          <a:ext cx="0" cy="0"/>
+          <a:chOff x="0" y="0"/>
+          <a:chExt cx="0" cy="0"/>
+        </a:xfrm>
+      </p:grpSpPr>
+      <p:pic>
+        <p:nvPicPr>
+          <p:cNvPr id="3" name="図 2">
+            <a:extLst>
+              <a:ext uri="{FF2B5EF4-FFF2-40B4-BE49-F238E27FC236}">
+                <a16:creationId xmlns:a16="http://schemas.microsoft.com/office/drawing/2014/main" id="{D1C5E8C2-2518-CDC1-E33B-5079324AFB7F}"/>
+              </a:ext>
+            </a:extLst>
+          </p:cNvPr>
+          <p:cNvPicPr>
+            <a:picLocks noChangeAspect="1"/>
+          </p:cNvPicPr>
+          <p:nvPr/>
+        </p:nvPicPr>
+        <p:blipFill>
+          <a:blip r:embed="rId2"/>
+          <a:stretch>
+            <a:fillRect/>
+          </a:stretch>
+        </p:blipFill>
+        <p:spPr>
+          <a:xfrm>
+            <a:off x="807476" y="0"/>
+            <a:ext cx="10577047" cy="6858000"/>
+          </a:xfrm>
+          <a:prstGeom prst="rect">
+            <a:avLst/>
+          </a:prstGeom>
+        </p:spPr>
+      </p:pic>
+      <p:sp>
+        <p:nvSpPr>
+          <p:cNvPr id="4" name="正方形/長方形 3">
+            <a:extLst>
+              <a:ext uri="{FF2B5EF4-FFF2-40B4-BE49-F238E27FC236}">
+                <a16:creationId xmlns:a16="http://schemas.microsoft.com/office/drawing/2014/main" id="{A6E2BFA4-CC80-B2AA-B13B-A340E9D43E81}"/>
+              </a:ext>
+            </a:extLst>
+          </p:cNvPr>
+          <p:cNvSpPr/>
+          <p:nvPr/>
+        </p:nvSpPr>
+        <p:spPr>
+          <a:xfrm>
+            <a:off x="1327769" y="4268287"/>
+            <a:ext cx="2120825" cy="306977"/>
+          </a:xfrm>
+          <a:prstGeom prst="rect">
+            <a:avLst/>
+          </a:prstGeom>
+          <a:noFill/>
+          <a:ln w="38100" cap="flat" cmpd="sng" algn="ctr">
+            <a:solidFill>
+              <a:srgbClr val="FF0000"/>
+            </a:solidFill>
+            <a:prstDash val="solid"/>
+            <a:round/>
+            <a:headEnd type="none" w="med" len="med"/>
+            <a:tailEnd type="none" w="med" len="med"/>
+          </a:ln>
+        </p:spPr>
+        <p:style>
+          <a:lnRef idx="0">
+            <a:scrgbClr r="0" g="0" b="0"/>
+          </a:lnRef>
+          <a:fillRef idx="0">
+            <a:scrgbClr r="0" g="0" b="0"/>
+          </a:fillRef>
+          <a:effectRef idx="0">
+            <a:scrgbClr r="0" g="0" b="0"/>
+          </a:effectRef>
+          <a:fontRef idx="minor">
+            <a:schemeClr val="dk1"/>
+          </a:fontRef>
+        </p:style>
+        <p:txBody>
+          <a:bodyPr rtlCol="0" anchor="ctr"/>
+          <a:lstStyle/>
+          <a:p>
+            <a:pPr algn="ctr"/>
+            <a:endParaRPr kumimoji="1" lang="ja-JP" altLang="en-US"/>
+          </a:p>
+        </p:txBody>
+      </p:sp>
+      <p:sp>
+        <p:nvSpPr>
+          <p:cNvPr id="5" name="正方形/長方形 4">
+            <a:extLst>
+              <a:ext uri="{FF2B5EF4-FFF2-40B4-BE49-F238E27FC236}">
+                <a16:creationId xmlns:a16="http://schemas.microsoft.com/office/drawing/2014/main" id="{6FD3EAE3-99AD-CC6D-6B45-AF51B03FC2CA}"/>
+              </a:ext>
+            </a:extLst>
+          </p:cNvPr>
+          <p:cNvSpPr/>
+          <p:nvPr/>
+        </p:nvSpPr>
+        <p:spPr>
+          <a:xfrm>
+            <a:off x="6848361" y="2089535"/>
+            <a:ext cx="1422803" cy="390429"/>
+          </a:xfrm>
+          <a:prstGeom prst="rect">
+            <a:avLst/>
+          </a:prstGeom>
+          <a:noFill/>
+          <a:ln w="38100" cap="flat" cmpd="sng" algn="ctr">
+            <a:solidFill>
+              <a:srgbClr val="FF0000"/>
+            </a:solidFill>
+            <a:prstDash val="solid"/>
+            <a:round/>
+            <a:headEnd type="none" w="med" len="med"/>
+            <a:tailEnd type="none" w="med" len="med"/>
+          </a:ln>
+        </p:spPr>
+        <p:style>
+          <a:lnRef idx="0">
+            <a:scrgbClr r="0" g="0" b="0"/>
+          </a:lnRef>
+          <a:fillRef idx="0">
+            <a:scrgbClr r="0" g="0" b="0"/>
+          </a:fillRef>
+          <a:effectRef idx="0">
+            <a:scrgbClr r="0" g="0" b="0"/>
+          </a:effectRef>
+          <a:fontRef idx="minor">
+            <a:schemeClr val="dk1"/>
+          </a:fontRef>
+        </p:style>
+        <p:txBody>
+          <a:bodyPr rtlCol="0" anchor="ctr"/>
+          <a:lstStyle/>
+          <a:p>
+            <a:pPr algn="ctr"/>
+            <a:endParaRPr kumimoji="1" lang="ja-JP" altLang="en-US"/>
+          </a:p>
+        </p:txBody>
+      </p:sp>
+      <p:cxnSp>
+        <p:nvCxnSpPr>
+          <p:cNvPr id="6" name="直線矢印コネクタ 5">
+            <a:extLst>
+              <a:ext uri="{FF2B5EF4-FFF2-40B4-BE49-F238E27FC236}">
+                <a16:creationId xmlns:a16="http://schemas.microsoft.com/office/drawing/2014/main" id="{8B4F4367-81DA-2E5C-8DF7-3AEDDBE1DA81}"/>
+              </a:ext>
+            </a:extLst>
+          </p:cNvPr>
+          <p:cNvCxnSpPr>
+            <a:cxnSpLocks/>
+          </p:cNvCxnSpPr>
+          <p:nvPr/>
+        </p:nvCxnSpPr>
+        <p:spPr>
+          <a:xfrm flipV="1">
+            <a:off x="3448594" y="3429000"/>
+            <a:ext cx="770709" cy="992775"/>
+          </a:xfrm>
+          <a:prstGeom prst="straightConnector1">
+            <a:avLst/>
+          </a:prstGeom>
+          <a:ln w="38100">
+            <a:solidFill>
+              <a:srgbClr val="FF0000"/>
+            </a:solidFill>
+            <a:tailEnd type="triangle"/>
+          </a:ln>
+        </p:spPr>
+        <p:style>
+          <a:lnRef idx="2">
+            <a:schemeClr val="accent1"/>
+          </a:lnRef>
+          <a:fillRef idx="0">
+            <a:schemeClr val="accent1"/>
+          </a:fillRef>
+          <a:effectRef idx="1">
+            <a:schemeClr val="accent1"/>
+          </a:effectRef>
+          <a:fontRef idx="minor">
+            <a:schemeClr val="tx1"/>
+          </a:fontRef>
+        </p:style>
+      </p:cxnSp>
+      <p:sp>
+        <p:nvSpPr>
+          <p:cNvPr id="9" name="正方形/長方形 8">
+            <a:extLst>
+              <a:ext uri="{FF2B5EF4-FFF2-40B4-BE49-F238E27FC236}">
+                <a16:creationId xmlns:a16="http://schemas.microsoft.com/office/drawing/2014/main" id="{9DABD7BC-AA07-68E0-F1B1-8341DA32D8D3}"/>
+              </a:ext>
+            </a:extLst>
+          </p:cNvPr>
+          <p:cNvSpPr/>
+          <p:nvPr/>
+        </p:nvSpPr>
+        <p:spPr>
+          <a:xfrm>
+            <a:off x="4043258" y="3080457"/>
+            <a:ext cx="2120825" cy="306977"/>
+          </a:xfrm>
+          <a:prstGeom prst="rect">
+            <a:avLst/>
+          </a:prstGeom>
+          <a:noFill/>
+          <a:ln w="38100" cap="flat" cmpd="sng" algn="ctr">
+            <a:solidFill>
+              <a:srgbClr val="FF0000"/>
+            </a:solidFill>
+            <a:prstDash val="solid"/>
+            <a:round/>
+            <a:headEnd type="none" w="med" len="med"/>
+            <a:tailEnd type="none" w="med" len="med"/>
+          </a:ln>
+        </p:spPr>
+        <p:style>
+          <a:lnRef idx="0">
+            <a:scrgbClr r="0" g="0" b="0"/>
+          </a:lnRef>
+          <a:fillRef idx="0">
+            <a:scrgbClr r="0" g="0" b="0"/>
+          </a:fillRef>
+          <a:effectRef idx="0">
+            <a:scrgbClr r="0" g="0" b="0"/>
+          </a:effectRef>
+          <a:fontRef idx="minor">
+            <a:schemeClr val="dk1"/>
+          </a:fontRef>
+        </p:style>
+        <p:txBody>
+          <a:bodyPr rtlCol="0" anchor="ctr"/>
+          <a:lstStyle/>
+          <a:p>
+            <a:pPr algn="ctr"/>
+            <a:endParaRPr kumimoji="1" lang="ja-JP" altLang="en-US"/>
+          </a:p>
+        </p:txBody>
+      </p:sp>
+      <p:cxnSp>
+        <p:nvCxnSpPr>
+          <p:cNvPr id="10" name="直線矢印コネクタ 9">
+            <a:extLst>
+              <a:ext uri="{FF2B5EF4-FFF2-40B4-BE49-F238E27FC236}">
+                <a16:creationId xmlns:a16="http://schemas.microsoft.com/office/drawing/2014/main" id="{0859C49B-50F6-C467-B40F-F758F13E3410}"/>
+              </a:ext>
+            </a:extLst>
+          </p:cNvPr>
+          <p:cNvCxnSpPr>
+            <a:cxnSpLocks/>
+          </p:cNvCxnSpPr>
+          <p:nvPr/>
+        </p:nvCxnSpPr>
+        <p:spPr>
+          <a:xfrm flipV="1">
+            <a:off x="6288776" y="2632364"/>
+            <a:ext cx="693915" cy="601581"/>
+          </a:xfrm>
+          <a:prstGeom prst="straightConnector1">
+            <a:avLst/>
+          </a:prstGeom>
+          <a:ln w="38100">
+            <a:solidFill>
+              <a:srgbClr val="FF0000"/>
+            </a:solidFill>
+            <a:tailEnd type="triangle"/>
+          </a:ln>
+        </p:spPr>
+        <p:style>
+          <a:lnRef idx="2">
+            <a:schemeClr val="accent1"/>
+          </a:lnRef>
+          <a:fillRef idx="0">
+            <a:schemeClr val="accent1"/>
+          </a:fillRef>
+          <a:effectRef idx="1">
+            <a:schemeClr val="accent1"/>
+          </a:effectRef>
+          <a:fontRef idx="minor">
+            <a:schemeClr val="tx1"/>
+          </a:fontRef>
+        </p:style>
+      </p:cxnSp>
+    </p:spTree>
+    <p:extLst>
+      <p:ext uri="{BB962C8B-B14F-4D97-AF65-F5344CB8AC3E}">
+        <p14:creationId xmlns:p14="http://schemas.microsoft.com/office/powerpoint/2010/main" val="987741175"/>
+      </p:ext>
+    </p:extLst>
+  </p:cSld>
+  <p:clrMapOvr>
+    <a:masterClrMapping/>
+  </p:clrMapOvr>
+</p:sld>
+</file>
+
+<file path=ppt/slides/slide22.xml><?xml version="1.0" encoding="utf-8"?>
+<p:sld xmlns:a="http://schemas.openxmlformats.org/drawingml/2006/main" xmlns:r="http://schemas.openxmlformats.org/officeDocument/2006/relationships" xmlns:p="http://schemas.openxmlformats.org/presentationml/2006/main">
+  <p:cSld>
+    <p:spTree>
+      <p:nvGrpSpPr>
+        <p:cNvPr id="1" name=""/>
+        <p:cNvGrpSpPr/>
+        <p:nvPr/>
+      </p:nvGrpSpPr>
+      <p:grpSpPr>
+        <a:xfrm>
+          <a:off x="0" y="0"/>
+          <a:ext cx="0" cy="0"/>
+          <a:chOff x="0" y="0"/>
+          <a:chExt cx="0" cy="0"/>
+        </a:xfrm>
+      </p:grpSpPr>
+      <p:pic>
+        <p:nvPicPr>
+          <p:cNvPr id="3" name="図 2">
+            <a:extLst>
+              <a:ext uri="{FF2B5EF4-FFF2-40B4-BE49-F238E27FC236}">
+                <a16:creationId xmlns:a16="http://schemas.microsoft.com/office/drawing/2014/main" id="{68237207-BBDD-2B5D-A8E6-60C120C19A96}"/>
+              </a:ext>
+            </a:extLst>
+          </p:cNvPr>
+          <p:cNvPicPr>
+            <a:picLocks noChangeAspect="1"/>
+          </p:cNvPicPr>
+          <p:nvPr/>
+        </p:nvPicPr>
+        <p:blipFill>
+          <a:blip r:embed="rId2"/>
+          <a:stretch>
+            <a:fillRect/>
+          </a:stretch>
+        </p:blipFill>
+        <p:spPr>
+          <a:xfrm>
+            <a:off x="807476" y="0"/>
+            <a:ext cx="10577047" cy="6858000"/>
+          </a:xfrm>
+          <a:prstGeom prst="rect">
+            <a:avLst/>
+          </a:prstGeom>
+        </p:spPr>
+      </p:pic>
+      <p:sp>
+        <p:nvSpPr>
+          <p:cNvPr id="4" name="正方形/長方形 3">
+            <a:extLst>
+              <a:ext uri="{FF2B5EF4-FFF2-40B4-BE49-F238E27FC236}">
+                <a16:creationId xmlns:a16="http://schemas.microsoft.com/office/drawing/2014/main" id="{86CFB99B-E0D0-4CF5-8E30-000398D4D613}"/>
+              </a:ext>
+            </a:extLst>
+          </p:cNvPr>
+          <p:cNvSpPr/>
+          <p:nvPr/>
+        </p:nvSpPr>
+        <p:spPr>
+          <a:xfrm>
+            <a:off x="9206548" y="3486150"/>
+            <a:ext cx="2120825" cy="306977"/>
+          </a:xfrm>
+          <a:prstGeom prst="rect">
+            <a:avLst/>
+          </a:prstGeom>
+          <a:noFill/>
+          <a:ln w="38100" cap="flat" cmpd="sng" algn="ctr">
+            <a:solidFill>
+              <a:srgbClr val="FF0000"/>
+            </a:solidFill>
+            <a:prstDash val="solid"/>
+            <a:round/>
+            <a:headEnd type="none" w="med" len="med"/>
+            <a:tailEnd type="none" w="med" len="med"/>
+          </a:ln>
+        </p:spPr>
+        <p:style>
+          <a:lnRef idx="0">
+            <a:scrgbClr r="0" g="0" b="0"/>
+          </a:lnRef>
+          <a:fillRef idx="0">
+            <a:scrgbClr r="0" g="0" b="0"/>
+          </a:fillRef>
+          <a:effectRef idx="0">
+            <a:scrgbClr r="0" g="0" b="0"/>
+          </a:effectRef>
+          <a:fontRef idx="minor">
+            <a:schemeClr val="dk1"/>
+          </a:fontRef>
+        </p:style>
+        <p:txBody>
+          <a:bodyPr rtlCol="0" anchor="ctr"/>
+          <a:lstStyle/>
+          <a:p>
+            <a:pPr algn="ctr"/>
+            <a:endParaRPr kumimoji="1" lang="ja-JP" altLang="en-US"/>
+          </a:p>
+        </p:txBody>
+      </p:sp>
+    </p:spTree>
+    <p:extLst>
+      <p:ext uri="{BB962C8B-B14F-4D97-AF65-F5344CB8AC3E}">
+        <p14:creationId xmlns:p14="http://schemas.microsoft.com/office/powerpoint/2010/main" val="1072793120"/>
+      </p:ext>
+    </p:extLst>
+  </p:cSld>
+  <p:clrMapOvr>
+    <a:masterClrMapping/>
+  </p:clrMapOvr>
+</p:sld>
+</file>
+
+<file path=ppt/slides/slide23.xml><?xml version="1.0" encoding="utf-8"?>
+<p:sld xmlns:a="http://schemas.openxmlformats.org/drawingml/2006/main" xmlns:r="http://schemas.openxmlformats.org/officeDocument/2006/relationships" xmlns:p="http://schemas.openxmlformats.org/presentationml/2006/main">
+  <p:cSld>
+    <p:spTree>
+      <p:nvGrpSpPr>
+        <p:cNvPr id="1" name=""/>
+        <p:cNvGrpSpPr/>
+        <p:nvPr/>
+      </p:nvGrpSpPr>
+      <p:grpSpPr>
+        <a:xfrm>
+          <a:off x="0" y="0"/>
+          <a:ext cx="0" cy="0"/>
+          <a:chOff x="0" y="0"/>
+          <a:chExt cx="0" cy="0"/>
+        </a:xfrm>
+      </p:grpSpPr>
+      <p:pic>
+        <p:nvPicPr>
+          <p:cNvPr id="3" name="図 2">
+            <a:extLst>
+              <a:ext uri="{FF2B5EF4-FFF2-40B4-BE49-F238E27FC236}">
+                <a16:creationId xmlns:a16="http://schemas.microsoft.com/office/drawing/2014/main" id="{71C540B2-F7C1-8C0E-1C14-743F9A269477}"/>
+              </a:ext>
+            </a:extLst>
+          </p:cNvPr>
+          <p:cNvPicPr>
+            <a:picLocks noChangeAspect="1"/>
+          </p:cNvPicPr>
+          <p:nvPr/>
+        </p:nvPicPr>
+        <p:blipFill>
+          <a:blip r:embed="rId2"/>
+          <a:stretch>
+            <a:fillRect/>
+          </a:stretch>
+        </p:blipFill>
+        <p:spPr>
+          <a:xfrm>
+            <a:off x="835639" y="0"/>
+            <a:ext cx="10520722" cy="6858000"/>
+          </a:xfrm>
+          <a:prstGeom prst="rect">
+            <a:avLst/>
+          </a:prstGeom>
+        </p:spPr>
+      </p:pic>
+      <p:sp>
+        <p:nvSpPr>
+          <p:cNvPr id="6" name="正方形/長方形 5">
+            <a:extLst>
+              <a:ext uri="{FF2B5EF4-FFF2-40B4-BE49-F238E27FC236}">
+                <a16:creationId xmlns:a16="http://schemas.microsoft.com/office/drawing/2014/main" id="{9155D029-7596-0526-E462-E0CD03417972}"/>
+              </a:ext>
+            </a:extLst>
+          </p:cNvPr>
+          <p:cNvSpPr/>
+          <p:nvPr/>
+        </p:nvSpPr>
+        <p:spPr>
+          <a:xfrm>
+            <a:off x="8363415" y="2099149"/>
+            <a:ext cx="1168336" cy="376422"/>
+          </a:xfrm>
+          <a:prstGeom prst="rect">
+            <a:avLst/>
+          </a:prstGeom>
+          <a:noFill/>
+          <a:ln w="38100" cap="flat" cmpd="sng" algn="ctr">
+            <a:solidFill>
+              <a:srgbClr val="FF0000"/>
+            </a:solidFill>
+            <a:prstDash val="solid"/>
+            <a:round/>
+            <a:headEnd type="none" w="med" len="med"/>
+            <a:tailEnd type="none" w="med" len="med"/>
+          </a:ln>
+        </p:spPr>
+        <p:style>
+          <a:lnRef idx="0">
+            <a:scrgbClr r="0" g="0" b="0"/>
+          </a:lnRef>
+          <a:fillRef idx="0">
+            <a:scrgbClr r="0" g="0" b="0"/>
+          </a:fillRef>
+          <a:effectRef idx="0">
+            <a:scrgbClr r="0" g="0" b="0"/>
+          </a:effectRef>
+          <a:fontRef idx="minor">
+            <a:schemeClr val="dk1"/>
+          </a:fontRef>
+        </p:style>
+        <p:txBody>
+          <a:bodyPr rtlCol="0" anchor="ctr"/>
+          <a:lstStyle/>
+          <a:p>
+            <a:pPr algn="ctr"/>
+            <a:endParaRPr kumimoji="1" lang="ja-JP" altLang="en-US"/>
+          </a:p>
+        </p:txBody>
+      </p:sp>
+    </p:spTree>
+    <p:extLst>
+      <p:ext uri="{BB962C8B-B14F-4D97-AF65-F5344CB8AC3E}">
+        <p14:creationId xmlns:p14="http://schemas.microsoft.com/office/powerpoint/2010/main" val="1603198928"/>
+      </p:ext>
+    </p:extLst>
+  </p:cSld>
+  <p:clrMapOvr>
+    <a:masterClrMapping/>
+  </p:clrMapOvr>
+</p:sld>
+</file>
+
+<file path=ppt/slides/slide24.xml><?xml version="1.0" encoding="utf-8"?>
+<p:sld xmlns:a="http://schemas.openxmlformats.org/drawingml/2006/main" xmlns:r="http://schemas.openxmlformats.org/officeDocument/2006/relationships" xmlns:p="http://schemas.openxmlformats.org/presentationml/2006/main">
+  <p:cSld>
+    <p:spTree>
+      <p:nvGrpSpPr>
+        <p:cNvPr id="1" name=""/>
+        <p:cNvGrpSpPr/>
+        <p:nvPr/>
+      </p:nvGrpSpPr>
+      <p:grpSpPr>
+        <a:xfrm>
+          <a:off x="0" y="0"/>
+          <a:ext cx="0" cy="0"/>
+          <a:chOff x="0" y="0"/>
+          <a:chExt cx="0" cy="0"/>
+        </a:xfrm>
+      </p:grpSpPr>
+      <p:pic>
+        <p:nvPicPr>
+          <p:cNvPr id="3" name="図 2">
+            <a:extLst>
+              <a:ext uri="{FF2B5EF4-FFF2-40B4-BE49-F238E27FC236}">
+                <a16:creationId xmlns:a16="http://schemas.microsoft.com/office/drawing/2014/main" id="{FC9D8813-F11E-4378-A8EC-3567B33CD84B}"/>
+              </a:ext>
+            </a:extLst>
+          </p:cNvPr>
+          <p:cNvPicPr>
+            <a:picLocks noChangeAspect="1"/>
+          </p:cNvPicPr>
+          <p:nvPr/>
+        </p:nvPicPr>
+        <p:blipFill>
+          <a:blip r:embed="rId2"/>
+          <a:stretch>
+            <a:fillRect/>
+          </a:stretch>
+        </p:blipFill>
+        <p:spPr>
+          <a:xfrm>
+            <a:off x="800746" y="0"/>
+            <a:ext cx="10590508" cy="6858000"/>
+          </a:xfrm>
+          <a:prstGeom prst="rect">
+            <a:avLst/>
+          </a:prstGeom>
+        </p:spPr>
+      </p:pic>
+      <p:sp>
+        <p:nvSpPr>
+          <p:cNvPr id="4" name="正方形/長方形 3">
+            <a:extLst>
+              <a:ext uri="{FF2B5EF4-FFF2-40B4-BE49-F238E27FC236}">
+                <a16:creationId xmlns:a16="http://schemas.microsoft.com/office/drawing/2014/main" id="{21951FF1-4FE7-FAAE-9302-DB5DA8E89B23}"/>
+              </a:ext>
+            </a:extLst>
+          </p:cNvPr>
+          <p:cNvSpPr/>
+          <p:nvPr/>
+        </p:nvSpPr>
+        <p:spPr>
+          <a:xfrm>
+            <a:off x="4219303" y="4966598"/>
+            <a:ext cx="2120825" cy="306977"/>
+          </a:xfrm>
+          <a:prstGeom prst="rect">
+            <a:avLst/>
+          </a:prstGeom>
+          <a:noFill/>
+          <a:ln w="38100" cap="flat" cmpd="sng" algn="ctr">
+            <a:solidFill>
+              <a:srgbClr val="FF0000"/>
+            </a:solidFill>
+            <a:prstDash val="solid"/>
+            <a:round/>
+            <a:headEnd type="none" w="med" len="med"/>
+            <a:tailEnd type="none" w="med" len="med"/>
+          </a:ln>
+        </p:spPr>
+        <p:style>
+          <a:lnRef idx="0">
+            <a:scrgbClr r="0" g="0" b="0"/>
+          </a:lnRef>
+          <a:fillRef idx="0">
+            <a:scrgbClr r="0" g="0" b="0"/>
+          </a:fillRef>
+          <a:effectRef idx="0">
+            <a:scrgbClr r="0" g="0" b="0"/>
+          </a:effectRef>
+          <a:fontRef idx="minor">
+            <a:schemeClr val="dk1"/>
+          </a:fontRef>
+        </p:style>
+        <p:txBody>
+          <a:bodyPr rtlCol="0" anchor="ctr"/>
+          <a:lstStyle/>
+          <a:p>
+            <a:pPr algn="ctr"/>
+            <a:endParaRPr kumimoji="1" lang="ja-JP" altLang="en-US"/>
+          </a:p>
+        </p:txBody>
+      </p:sp>
+      <p:cxnSp>
+        <p:nvCxnSpPr>
+          <p:cNvPr id="5" name="直線矢印コネクタ 4">
+            <a:extLst>
+              <a:ext uri="{FF2B5EF4-FFF2-40B4-BE49-F238E27FC236}">
+                <a16:creationId xmlns:a16="http://schemas.microsoft.com/office/drawing/2014/main" id="{7504547C-B887-4302-B725-A8A3D33A2561}"/>
+              </a:ext>
+            </a:extLst>
+          </p:cNvPr>
+          <p:cNvCxnSpPr>
+            <a:cxnSpLocks/>
+          </p:cNvCxnSpPr>
+          <p:nvPr/>
+        </p:nvCxnSpPr>
+        <p:spPr>
+          <a:xfrm flipV="1">
+            <a:off x="6403669" y="4966598"/>
+            <a:ext cx="432030" cy="153646"/>
+          </a:xfrm>
+          <a:prstGeom prst="straightConnector1">
+            <a:avLst/>
+          </a:prstGeom>
+          <a:ln w="38100">
+            <a:solidFill>
+              <a:srgbClr val="FF0000"/>
+            </a:solidFill>
+            <a:tailEnd type="triangle"/>
+          </a:ln>
+        </p:spPr>
+        <p:style>
+          <a:lnRef idx="2">
+            <a:schemeClr val="accent1"/>
+          </a:lnRef>
+          <a:fillRef idx="0">
+            <a:schemeClr val="accent1"/>
+          </a:fillRef>
+          <a:effectRef idx="1">
+            <a:schemeClr val="accent1"/>
+          </a:effectRef>
+          <a:fontRef idx="minor">
+            <a:schemeClr val="tx1"/>
+          </a:fontRef>
+        </p:style>
+      </p:cxnSp>
+      <p:sp>
+        <p:nvSpPr>
+          <p:cNvPr id="6" name="正方形/長方形 5">
+            <a:extLst>
+              <a:ext uri="{FF2B5EF4-FFF2-40B4-BE49-F238E27FC236}">
+                <a16:creationId xmlns:a16="http://schemas.microsoft.com/office/drawing/2014/main" id="{2A8F5AB5-CF97-CDD1-4B31-8C58FE96A9C8}"/>
+              </a:ext>
+            </a:extLst>
+          </p:cNvPr>
+          <p:cNvSpPr/>
+          <p:nvPr/>
+        </p:nvSpPr>
+        <p:spPr>
+          <a:xfrm>
+            <a:off x="6902605" y="4563569"/>
+            <a:ext cx="3178097" cy="403029"/>
+          </a:xfrm>
+          <a:prstGeom prst="rect">
+            <a:avLst/>
+          </a:prstGeom>
+          <a:noFill/>
+          <a:ln w="38100" cap="flat" cmpd="sng" algn="ctr">
+            <a:solidFill>
+              <a:srgbClr val="FF0000"/>
+            </a:solidFill>
+            <a:prstDash val="solid"/>
+            <a:round/>
+            <a:headEnd type="none" w="med" len="med"/>
+            <a:tailEnd type="none" w="med" len="med"/>
+          </a:ln>
+        </p:spPr>
+        <p:style>
+          <a:lnRef idx="0">
+            <a:scrgbClr r="0" g="0" b="0"/>
+          </a:lnRef>
+          <a:fillRef idx="0">
+            <a:scrgbClr r="0" g="0" b="0"/>
+          </a:fillRef>
+          <a:effectRef idx="0">
+            <a:scrgbClr r="0" g="0" b="0"/>
+          </a:effectRef>
+          <a:fontRef idx="minor">
+            <a:schemeClr val="dk1"/>
+          </a:fontRef>
+        </p:style>
+        <p:txBody>
+          <a:bodyPr rtlCol="0" anchor="ctr"/>
+          <a:lstStyle/>
+          <a:p>
+            <a:pPr algn="ctr"/>
+            <a:endParaRPr kumimoji="1" lang="ja-JP" altLang="en-US"/>
+          </a:p>
+        </p:txBody>
+      </p:sp>
+    </p:spTree>
+    <p:extLst>
+      <p:ext uri="{BB962C8B-B14F-4D97-AF65-F5344CB8AC3E}">
+        <p14:creationId xmlns:p14="http://schemas.microsoft.com/office/powerpoint/2010/main" val="588224248"/>
+      </p:ext>
+    </p:extLst>
+  </p:cSld>
+  <p:clrMapOvr>
+    <a:masterClrMapping/>
+  </p:clrMapOvr>
+</p:sld>
+</file>
+
+<file path=ppt/slides/slide25.xml><?xml version="1.0" encoding="utf-8"?>
+<p:sld xmlns:a="http://schemas.openxmlformats.org/drawingml/2006/main" xmlns:r="http://schemas.openxmlformats.org/officeDocument/2006/relationships" xmlns:p="http://schemas.openxmlformats.org/presentationml/2006/main">
+  <p:cSld>
+    <p:spTree>
+      <p:nvGrpSpPr>
+        <p:cNvPr id="1" name=""/>
+        <p:cNvGrpSpPr/>
+        <p:nvPr/>
+      </p:nvGrpSpPr>
+      <p:grpSpPr>
+        <a:xfrm>
+          <a:off x="0" y="0"/>
+          <a:ext cx="0" cy="0"/>
+          <a:chOff x="0" y="0"/>
+          <a:chExt cx="0" cy="0"/>
+        </a:xfrm>
+      </p:grpSpPr>
+      <p:pic>
+        <p:nvPicPr>
+          <p:cNvPr id="3" name="図 2">
+            <a:extLst>
+              <a:ext uri="{FF2B5EF4-FFF2-40B4-BE49-F238E27FC236}">
+                <a16:creationId xmlns:a16="http://schemas.microsoft.com/office/drawing/2014/main" id="{776117A1-47D0-580A-3453-FD95331513D9}"/>
+              </a:ext>
+            </a:extLst>
+          </p:cNvPr>
+          <p:cNvPicPr>
+            <a:picLocks noChangeAspect="1"/>
+          </p:cNvPicPr>
+          <p:nvPr/>
+        </p:nvPicPr>
+        <p:blipFill>
+          <a:blip r:embed="rId2"/>
+          <a:stretch>
+            <a:fillRect/>
+          </a:stretch>
+        </p:blipFill>
+        <p:spPr>
+          <a:xfrm>
+            <a:off x="574512" y="0"/>
+            <a:ext cx="11042975" cy="6858000"/>
+          </a:xfrm>
+          <a:prstGeom prst="rect">
+            <a:avLst/>
+          </a:prstGeom>
+        </p:spPr>
+      </p:pic>
+      <p:sp>
+        <p:nvSpPr>
+          <p:cNvPr id="4" name="正方形/長方形 3">
+            <a:extLst>
+              <a:ext uri="{FF2B5EF4-FFF2-40B4-BE49-F238E27FC236}">
+                <a16:creationId xmlns:a16="http://schemas.microsoft.com/office/drawing/2014/main" id="{F6C69441-686F-58F1-C016-D89D1408C28A}"/>
+              </a:ext>
+            </a:extLst>
+          </p:cNvPr>
+          <p:cNvSpPr/>
+          <p:nvPr/>
+        </p:nvSpPr>
+        <p:spPr>
+          <a:xfrm>
+            <a:off x="4282845" y="2502179"/>
+            <a:ext cx="1370824" cy="296778"/>
+          </a:xfrm>
+          <a:prstGeom prst="rect">
+            <a:avLst/>
+          </a:prstGeom>
+          <a:noFill/>
+          <a:ln w="38100" cap="flat" cmpd="sng" algn="ctr">
+            <a:solidFill>
+              <a:srgbClr val="FF0000"/>
+            </a:solidFill>
+            <a:prstDash val="solid"/>
+            <a:round/>
+            <a:headEnd type="none" w="med" len="med"/>
+            <a:tailEnd type="none" w="med" len="med"/>
+          </a:ln>
+        </p:spPr>
+        <p:style>
+          <a:lnRef idx="0">
+            <a:scrgbClr r="0" g="0" b="0"/>
+          </a:lnRef>
+          <a:fillRef idx="0">
+            <a:scrgbClr r="0" g="0" b="0"/>
+          </a:fillRef>
+          <a:effectRef idx="0">
+            <a:scrgbClr r="0" g="0" b="0"/>
+          </a:effectRef>
+          <a:fontRef idx="minor">
+            <a:schemeClr val="dk1"/>
+          </a:fontRef>
+        </p:style>
+        <p:txBody>
+          <a:bodyPr rtlCol="0" anchor="ctr"/>
+          <a:lstStyle/>
+          <a:p>
+            <a:pPr algn="ctr"/>
+            <a:endParaRPr kumimoji="1" lang="ja-JP" altLang="en-US"/>
+          </a:p>
+        </p:txBody>
+      </p:sp>
+      <p:cxnSp>
+        <p:nvCxnSpPr>
+          <p:cNvPr id="5" name="直線矢印コネクタ 4">
+            <a:extLst>
+              <a:ext uri="{FF2B5EF4-FFF2-40B4-BE49-F238E27FC236}">
+                <a16:creationId xmlns:a16="http://schemas.microsoft.com/office/drawing/2014/main" id="{7579B2B7-CD4E-3D67-0E71-E86FCE631A54}"/>
+              </a:ext>
+            </a:extLst>
+          </p:cNvPr>
+          <p:cNvCxnSpPr>
+            <a:cxnSpLocks/>
+          </p:cNvCxnSpPr>
+          <p:nvPr/>
+        </p:nvCxnSpPr>
+        <p:spPr>
+          <a:xfrm>
+            <a:off x="5745747" y="2655825"/>
+            <a:ext cx="476633" cy="433063"/>
+          </a:xfrm>
+          <a:prstGeom prst="straightConnector1">
+            <a:avLst/>
+          </a:prstGeom>
+          <a:ln w="38100">
+            <a:solidFill>
+              <a:srgbClr val="FF0000"/>
+            </a:solidFill>
+            <a:tailEnd type="triangle"/>
+          </a:ln>
+        </p:spPr>
+        <p:style>
+          <a:lnRef idx="2">
+            <a:schemeClr val="accent1"/>
+          </a:lnRef>
+          <a:fillRef idx="0">
+            <a:schemeClr val="accent1"/>
+          </a:fillRef>
+          <a:effectRef idx="1">
+            <a:schemeClr val="accent1"/>
+          </a:effectRef>
+          <a:fontRef idx="minor">
+            <a:schemeClr val="tx1"/>
+          </a:fontRef>
+        </p:style>
+      </p:cxnSp>
+      <p:sp>
+        <p:nvSpPr>
+          <p:cNvPr id="6" name="正方形/長方形 5">
+            <a:extLst>
+              <a:ext uri="{FF2B5EF4-FFF2-40B4-BE49-F238E27FC236}">
+                <a16:creationId xmlns:a16="http://schemas.microsoft.com/office/drawing/2014/main" id="{AA371A70-4877-94FE-A78A-4FF8A7FBC808}"/>
+              </a:ext>
+            </a:extLst>
+          </p:cNvPr>
+          <p:cNvSpPr/>
+          <p:nvPr/>
+        </p:nvSpPr>
+        <p:spPr>
+          <a:xfrm>
+            <a:off x="6095999" y="3231562"/>
+            <a:ext cx="5300547" cy="615609"/>
+          </a:xfrm>
+          <a:prstGeom prst="rect">
+            <a:avLst/>
+          </a:prstGeom>
+          <a:noFill/>
+          <a:ln w="38100" cap="flat" cmpd="sng" algn="ctr">
+            <a:solidFill>
+              <a:srgbClr val="FF0000"/>
+            </a:solidFill>
+            <a:prstDash val="solid"/>
+            <a:round/>
+            <a:headEnd type="none" w="med" len="med"/>
+            <a:tailEnd type="none" w="med" len="med"/>
+          </a:ln>
+        </p:spPr>
+        <p:style>
+          <a:lnRef idx="0">
+            <a:scrgbClr r="0" g="0" b="0"/>
+          </a:lnRef>
+          <a:fillRef idx="0">
+            <a:scrgbClr r="0" g="0" b="0"/>
+          </a:fillRef>
+          <a:effectRef idx="0">
+            <a:scrgbClr r="0" g="0" b="0"/>
+          </a:effectRef>
+          <a:fontRef idx="minor">
+            <a:schemeClr val="dk1"/>
+          </a:fontRef>
+        </p:style>
+        <p:txBody>
+          <a:bodyPr rtlCol="0" anchor="ctr"/>
+          <a:lstStyle/>
+          <a:p>
+            <a:pPr algn="ctr"/>
+            <a:endParaRPr kumimoji="1" lang="ja-JP" altLang="en-US"/>
+          </a:p>
+        </p:txBody>
+      </p:sp>
+    </p:spTree>
+    <p:extLst>
+      <p:ext uri="{BB962C8B-B14F-4D97-AF65-F5344CB8AC3E}">
+        <p14:creationId xmlns:p14="http://schemas.microsoft.com/office/powerpoint/2010/main" val="3605427095"/>
       </p:ext>
     </p:extLst>
   </p:cSld>

--- a/images/ImageSource.pptx
+++ b/images/ImageSource.pptx
@@ -30,6 +30,10 @@
     <p:sldId id="278" r:id="rId24"/>
     <p:sldId id="279" r:id="rId25"/>
     <p:sldId id="280" r:id="rId26"/>
+    <p:sldId id="281" r:id="rId27"/>
+    <p:sldId id="282" r:id="rId28"/>
+    <p:sldId id="283" r:id="rId29"/>
+    <p:sldId id="284" r:id="rId30"/>
   </p:sldIdLst>
   <p:sldSz cx="12192000" cy="6858000"/>
   <p:notesSz cx="6858000" cy="9144000"/>
@@ -283,7 +287,7 @@
           <a:p>
             <a:fld id="{D99BD87E-2B7E-4B4D-ABA0-A72FD2F4DC14}" type="datetimeFigureOut">
               <a:rPr kumimoji="1" lang="ja-JP" altLang="en-US" smtClean="0"/>
-              <a:t>2025/1/26</a:t>
+              <a:t>2025/1/27</a:t>
             </a:fld>
             <a:endParaRPr kumimoji="1" lang="ja-JP" altLang="en-US"/>
           </a:p>
@@ -513,7 +517,7 @@
           <a:p>
             <a:fld id="{D99BD87E-2B7E-4B4D-ABA0-A72FD2F4DC14}" type="datetimeFigureOut">
               <a:rPr kumimoji="1" lang="ja-JP" altLang="en-US" smtClean="0"/>
-              <a:t>2025/1/26</a:t>
+              <a:t>2025/1/27</a:t>
             </a:fld>
             <a:endParaRPr kumimoji="1" lang="ja-JP" altLang="en-US"/>
           </a:p>
@@ -753,7 +757,7 @@
           <a:p>
             <a:fld id="{D99BD87E-2B7E-4B4D-ABA0-A72FD2F4DC14}" type="datetimeFigureOut">
               <a:rPr kumimoji="1" lang="ja-JP" altLang="en-US" smtClean="0"/>
-              <a:t>2025/1/26</a:t>
+              <a:t>2025/1/27</a:t>
             </a:fld>
             <a:endParaRPr kumimoji="1" lang="ja-JP" altLang="en-US"/>
           </a:p>
@@ -983,7 +987,7 @@
           <a:p>
             <a:fld id="{D99BD87E-2B7E-4B4D-ABA0-A72FD2F4DC14}" type="datetimeFigureOut">
               <a:rPr kumimoji="1" lang="ja-JP" altLang="en-US" smtClean="0"/>
-              <a:t>2025/1/26</a:t>
+              <a:t>2025/1/27</a:t>
             </a:fld>
             <a:endParaRPr kumimoji="1" lang="ja-JP" altLang="en-US"/>
           </a:p>
@@ -1258,7 +1262,7 @@
           <a:p>
             <a:fld id="{D99BD87E-2B7E-4B4D-ABA0-A72FD2F4DC14}" type="datetimeFigureOut">
               <a:rPr kumimoji="1" lang="ja-JP" altLang="en-US" smtClean="0"/>
-              <a:t>2025/1/26</a:t>
+              <a:t>2025/1/27</a:t>
             </a:fld>
             <a:endParaRPr kumimoji="1" lang="ja-JP" altLang="en-US"/>
           </a:p>
@@ -1587,7 +1591,7 @@
           <a:p>
             <a:fld id="{D99BD87E-2B7E-4B4D-ABA0-A72FD2F4DC14}" type="datetimeFigureOut">
               <a:rPr kumimoji="1" lang="ja-JP" altLang="en-US" smtClean="0"/>
-              <a:t>2025/1/26</a:t>
+              <a:t>2025/1/27</a:t>
             </a:fld>
             <a:endParaRPr kumimoji="1" lang="ja-JP" altLang="en-US"/>
           </a:p>
@@ -2063,7 +2067,7 @@
           <a:p>
             <a:fld id="{D99BD87E-2B7E-4B4D-ABA0-A72FD2F4DC14}" type="datetimeFigureOut">
               <a:rPr kumimoji="1" lang="ja-JP" altLang="en-US" smtClean="0"/>
-              <a:t>2025/1/26</a:t>
+              <a:t>2025/1/27</a:t>
             </a:fld>
             <a:endParaRPr kumimoji="1" lang="ja-JP" altLang="en-US"/>
           </a:p>
@@ -2204,7 +2208,7 @@
           <a:p>
             <a:fld id="{D99BD87E-2B7E-4B4D-ABA0-A72FD2F4DC14}" type="datetimeFigureOut">
               <a:rPr kumimoji="1" lang="ja-JP" altLang="en-US" smtClean="0"/>
-              <a:t>2025/1/26</a:t>
+              <a:t>2025/1/27</a:t>
             </a:fld>
             <a:endParaRPr kumimoji="1" lang="ja-JP" altLang="en-US"/>
           </a:p>
@@ -2317,7 +2321,7 @@
           <a:p>
             <a:fld id="{D99BD87E-2B7E-4B4D-ABA0-A72FD2F4DC14}" type="datetimeFigureOut">
               <a:rPr kumimoji="1" lang="ja-JP" altLang="en-US" smtClean="0"/>
-              <a:t>2025/1/26</a:t>
+              <a:t>2025/1/27</a:t>
             </a:fld>
             <a:endParaRPr kumimoji="1" lang="ja-JP" altLang="en-US"/>
           </a:p>
@@ -2660,7 +2664,7 @@
           <a:p>
             <a:fld id="{D99BD87E-2B7E-4B4D-ABA0-A72FD2F4DC14}" type="datetimeFigureOut">
               <a:rPr kumimoji="1" lang="ja-JP" altLang="en-US" smtClean="0"/>
-              <a:t>2025/1/26</a:t>
+              <a:t>2025/1/27</a:t>
             </a:fld>
             <a:endParaRPr kumimoji="1" lang="ja-JP" altLang="en-US"/>
           </a:p>
@@ -2948,7 +2952,7 @@
           <a:p>
             <a:fld id="{D99BD87E-2B7E-4B4D-ABA0-A72FD2F4DC14}" type="datetimeFigureOut">
               <a:rPr kumimoji="1" lang="ja-JP" altLang="en-US" smtClean="0"/>
-              <a:t>2025/1/26</a:t>
+              <a:t>2025/1/27</a:t>
             </a:fld>
             <a:endParaRPr kumimoji="1" lang="ja-JP" altLang="en-US"/>
           </a:p>
@@ -3221,7 +3225,7 @@
           <a:p>
             <a:fld id="{D99BD87E-2B7E-4B4D-ABA0-A72FD2F4DC14}" type="datetimeFigureOut">
               <a:rPr kumimoji="1" lang="ja-JP" altLang="en-US" smtClean="0"/>
-              <a:t>2025/1/26</a:t>
+              <a:t>2025/1/27</a:t>
             </a:fld>
             <a:endParaRPr kumimoji="1" lang="ja-JP" altLang="en-US"/>
           </a:p>
@@ -8397,6 +8401,300 @@
     <p:extLst>
       <p:ext uri="{BB962C8B-B14F-4D97-AF65-F5344CB8AC3E}">
         <p14:creationId xmlns:p14="http://schemas.microsoft.com/office/powerpoint/2010/main" val="3605427095"/>
+      </p:ext>
+    </p:extLst>
+  </p:cSld>
+  <p:clrMapOvr>
+    <a:masterClrMapping/>
+  </p:clrMapOvr>
+</p:sld>
+</file>
+
+<file path=ppt/slides/slide26.xml><?xml version="1.0" encoding="utf-8"?>
+<p:sld xmlns:a="http://schemas.openxmlformats.org/drawingml/2006/main" xmlns:r="http://schemas.openxmlformats.org/officeDocument/2006/relationships" xmlns:p="http://schemas.openxmlformats.org/presentationml/2006/main">
+  <p:cSld>
+    <p:spTree>
+      <p:nvGrpSpPr>
+        <p:cNvPr id="1" name=""/>
+        <p:cNvGrpSpPr/>
+        <p:nvPr/>
+      </p:nvGrpSpPr>
+      <p:grpSpPr>
+        <a:xfrm>
+          <a:off x="0" y="0"/>
+          <a:ext cx="0" cy="0"/>
+          <a:chOff x="0" y="0"/>
+          <a:chExt cx="0" cy="0"/>
+        </a:xfrm>
+      </p:grpSpPr>
+      <p:pic>
+        <p:nvPicPr>
+          <p:cNvPr id="5" name="図 4">
+            <a:extLst>
+              <a:ext uri="{FF2B5EF4-FFF2-40B4-BE49-F238E27FC236}">
+                <a16:creationId xmlns:a16="http://schemas.microsoft.com/office/drawing/2014/main" id="{3AC3FBEC-CD57-9E5F-310A-DC962C4941CF}"/>
+              </a:ext>
+            </a:extLst>
+          </p:cNvPr>
+          <p:cNvPicPr>
+            <a:picLocks noChangeAspect="1"/>
+          </p:cNvPicPr>
+          <p:nvPr/>
+        </p:nvPicPr>
+        <p:blipFill>
+          <a:blip r:embed="rId2"/>
+          <a:stretch>
+            <a:fillRect/>
+          </a:stretch>
+        </p:blipFill>
+        <p:spPr>
+          <a:xfrm>
+            <a:off x="4095471" y="1628523"/>
+            <a:ext cx="4001058" cy="3600953"/>
+          </a:xfrm>
+          <a:prstGeom prst="rect">
+            <a:avLst/>
+          </a:prstGeom>
+        </p:spPr>
+      </p:pic>
+    </p:spTree>
+    <p:extLst>
+      <p:ext uri="{BB962C8B-B14F-4D97-AF65-F5344CB8AC3E}">
+        <p14:creationId xmlns:p14="http://schemas.microsoft.com/office/powerpoint/2010/main" val="3888721444"/>
+      </p:ext>
+    </p:extLst>
+  </p:cSld>
+  <p:clrMapOvr>
+    <a:masterClrMapping/>
+  </p:clrMapOvr>
+</p:sld>
+</file>
+
+<file path=ppt/slides/slide27.xml><?xml version="1.0" encoding="utf-8"?>
+<p:sld xmlns:a="http://schemas.openxmlformats.org/drawingml/2006/main" xmlns:r="http://schemas.openxmlformats.org/officeDocument/2006/relationships" xmlns:p="http://schemas.openxmlformats.org/presentationml/2006/main">
+  <p:cSld>
+    <p:spTree>
+      <p:nvGrpSpPr>
+        <p:cNvPr id="1" name=""/>
+        <p:cNvGrpSpPr/>
+        <p:nvPr/>
+      </p:nvGrpSpPr>
+      <p:grpSpPr>
+        <a:xfrm>
+          <a:off x="0" y="0"/>
+          <a:ext cx="0" cy="0"/>
+          <a:chOff x="0" y="0"/>
+          <a:chExt cx="0" cy="0"/>
+        </a:xfrm>
+      </p:grpSpPr>
+      <p:pic>
+        <p:nvPicPr>
+          <p:cNvPr id="3" name="図 2">
+            <a:extLst>
+              <a:ext uri="{FF2B5EF4-FFF2-40B4-BE49-F238E27FC236}">
+                <a16:creationId xmlns:a16="http://schemas.microsoft.com/office/drawing/2014/main" id="{44A4D911-EAF5-55EF-D3B9-9129C9D13EBA}"/>
+              </a:ext>
+            </a:extLst>
+          </p:cNvPr>
+          <p:cNvPicPr>
+            <a:picLocks noChangeAspect="1"/>
+          </p:cNvPicPr>
+          <p:nvPr/>
+        </p:nvPicPr>
+        <p:blipFill>
+          <a:blip r:embed="rId2"/>
+          <a:stretch>
+            <a:fillRect/>
+          </a:stretch>
+        </p:blipFill>
+        <p:spPr>
+          <a:xfrm>
+            <a:off x="3752523" y="2624025"/>
+            <a:ext cx="4686954" cy="1609950"/>
+          </a:xfrm>
+          <a:prstGeom prst="rect">
+            <a:avLst/>
+          </a:prstGeom>
+        </p:spPr>
+      </p:pic>
+    </p:spTree>
+    <p:extLst>
+      <p:ext uri="{BB962C8B-B14F-4D97-AF65-F5344CB8AC3E}">
+        <p14:creationId xmlns:p14="http://schemas.microsoft.com/office/powerpoint/2010/main" val="4114789082"/>
+      </p:ext>
+    </p:extLst>
+  </p:cSld>
+  <p:clrMapOvr>
+    <a:masterClrMapping/>
+  </p:clrMapOvr>
+</p:sld>
+</file>
+
+<file path=ppt/slides/slide28.xml><?xml version="1.0" encoding="utf-8"?>
+<p:sld xmlns:a="http://schemas.openxmlformats.org/drawingml/2006/main" xmlns:r="http://schemas.openxmlformats.org/officeDocument/2006/relationships" xmlns:p="http://schemas.openxmlformats.org/presentationml/2006/main">
+  <p:cSld>
+    <p:spTree>
+      <p:nvGrpSpPr>
+        <p:cNvPr id="1" name=""/>
+        <p:cNvGrpSpPr/>
+        <p:nvPr/>
+      </p:nvGrpSpPr>
+      <p:grpSpPr>
+        <a:xfrm>
+          <a:off x="0" y="0"/>
+          <a:ext cx="0" cy="0"/>
+          <a:chOff x="0" y="0"/>
+          <a:chExt cx="0" cy="0"/>
+        </a:xfrm>
+      </p:grpSpPr>
+      <p:pic>
+        <p:nvPicPr>
+          <p:cNvPr id="3" name="図 2">
+            <a:extLst>
+              <a:ext uri="{FF2B5EF4-FFF2-40B4-BE49-F238E27FC236}">
+                <a16:creationId xmlns:a16="http://schemas.microsoft.com/office/drawing/2014/main" id="{308E46F0-010A-4297-2CB3-03F2D5168865}"/>
+              </a:ext>
+            </a:extLst>
+          </p:cNvPr>
+          <p:cNvPicPr>
+            <a:picLocks noChangeAspect="1"/>
+          </p:cNvPicPr>
+          <p:nvPr/>
+        </p:nvPicPr>
+        <p:blipFill>
+          <a:blip r:embed="rId2"/>
+          <a:stretch>
+            <a:fillRect/>
+          </a:stretch>
+        </p:blipFill>
+        <p:spPr>
+          <a:xfrm>
+            <a:off x="182963" y="0"/>
+            <a:ext cx="11826074" cy="6858000"/>
+          </a:xfrm>
+          <a:prstGeom prst="rect">
+            <a:avLst/>
+          </a:prstGeom>
+        </p:spPr>
+      </p:pic>
+    </p:spTree>
+    <p:extLst>
+      <p:ext uri="{BB962C8B-B14F-4D97-AF65-F5344CB8AC3E}">
+        <p14:creationId xmlns:p14="http://schemas.microsoft.com/office/powerpoint/2010/main" val="1274402951"/>
+      </p:ext>
+    </p:extLst>
+  </p:cSld>
+  <p:clrMapOvr>
+    <a:masterClrMapping/>
+  </p:clrMapOvr>
+</p:sld>
+</file>
+
+<file path=ppt/slides/slide29.xml><?xml version="1.0" encoding="utf-8"?>
+<p:sld xmlns:a="http://schemas.openxmlformats.org/drawingml/2006/main" xmlns:r="http://schemas.openxmlformats.org/officeDocument/2006/relationships" xmlns:p="http://schemas.openxmlformats.org/presentationml/2006/main">
+  <p:cSld>
+    <p:spTree>
+      <p:nvGrpSpPr>
+        <p:cNvPr id="1" name=""/>
+        <p:cNvGrpSpPr/>
+        <p:nvPr/>
+      </p:nvGrpSpPr>
+      <p:grpSpPr>
+        <a:xfrm>
+          <a:off x="0" y="0"/>
+          <a:ext cx="0" cy="0"/>
+          <a:chOff x="0" y="0"/>
+          <a:chExt cx="0" cy="0"/>
+        </a:xfrm>
+      </p:grpSpPr>
+      <p:pic>
+        <p:nvPicPr>
+          <p:cNvPr id="3" name="図 2">
+            <a:extLst>
+              <a:ext uri="{FF2B5EF4-FFF2-40B4-BE49-F238E27FC236}">
+                <a16:creationId xmlns:a16="http://schemas.microsoft.com/office/drawing/2014/main" id="{9408D50A-D333-10D4-724E-3213575AD8BC}"/>
+              </a:ext>
+            </a:extLst>
+          </p:cNvPr>
+          <p:cNvPicPr>
+            <a:picLocks noChangeAspect="1"/>
+          </p:cNvPicPr>
+          <p:nvPr/>
+        </p:nvPicPr>
+        <p:blipFill>
+          <a:blip r:embed="rId2"/>
+          <a:stretch>
+            <a:fillRect/>
+          </a:stretch>
+        </p:blipFill>
+        <p:spPr>
+          <a:xfrm>
+            <a:off x="1461440" y="1585655"/>
+            <a:ext cx="9269119" cy="3686689"/>
+          </a:xfrm>
+          <a:prstGeom prst="rect">
+            <a:avLst/>
+          </a:prstGeom>
+        </p:spPr>
+      </p:pic>
+      <p:sp>
+        <p:nvSpPr>
+          <p:cNvPr id="4" name="正方形/長方形 3">
+            <a:extLst>
+              <a:ext uri="{FF2B5EF4-FFF2-40B4-BE49-F238E27FC236}">
+                <a16:creationId xmlns:a16="http://schemas.microsoft.com/office/drawing/2014/main" id="{CB03E2E7-76D4-7BDA-6A31-F7C341AC9CC2}"/>
+              </a:ext>
+            </a:extLst>
+          </p:cNvPr>
+          <p:cNvSpPr/>
+          <p:nvPr/>
+        </p:nvSpPr>
+        <p:spPr>
+          <a:xfrm>
+            <a:off x="9419129" y="2947241"/>
+            <a:ext cx="312926" cy="296778"/>
+          </a:xfrm>
+          <a:prstGeom prst="rect">
+            <a:avLst/>
+          </a:prstGeom>
+          <a:noFill/>
+          <a:ln w="38100" cap="flat" cmpd="sng" algn="ctr">
+            <a:solidFill>
+              <a:srgbClr val="FF0000"/>
+            </a:solidFill>
+            <a:prstDash val="solid"/>
+            <a:round/>
+            <a:headEnd type="none" w="med" len="med"/>
+            <a:tailEnd type="none" w="med" len="med"/>
+          </a:ln>
+        </p:spPr>
+        <p:style>
+          <a:lnRef idx="0">
+            <a:scrgbClr r="0" g="0" b="0"/>
+          </a:lnRef>
+          <a:fillRef idx="0">
+            <a:scrgbClr r="0" g="0" b="0"/>
+          </a:fillRef>
+          <a:effectRef idx="0">
+            <a:scrgbClr r="0" g="0" b="0"/>
+          </a:effectRef>
+          <a:fontRef idx="minor">
+            <a:schemeClr val="dk1"/>
+          </a:fontRef>
+        </p:style>
+        <p:txBody>
+          <a:bodyPr rtlCol="0" anchor="ctr"/>
+          <a:lstStyle/>
+          <a:p>
+            <a:pPr algn="ctr"/>
+            <a:endParaRPr kumimoji="1" lang="ja-JP" altLang="en-US"/>
+          </a:p>
+        </p:txBody>
+      </p:sp>
+    </p:spTree>
+    <p:extLst>
+      <p:ext uri="{BB962C8B-B14F-4D97-AF65-F5344CB8AC3E}">
+        <p14:creationId xmlns:p14="http://schemas.microsoft.com/office/powerpoint/2010/main" val="3333221504"/>
       </p:ext>
     </p:extLst>
   </p:cSld>
